--- a/anuj_nrel.pptx
+++ b/anuj_nrel.pptx
@@ -2,7 +2,7 @@
 <file path=ppt/presentation.xml><?xml version="1.0" encoding="utf-8"?>
 <p:presentation xmlns:a="http://schemas.openxmlformats.org/drawingml/2006/main" xmlns:r="http://schemas.openxmlformats.org/officeDocument/2006/relationships" xmlns:p="http://schemas.openxmlformats.org/presentationml/2006/main" saveSubsetFonts="1" autoCompressPictures="0">
   <p:sldMasterIdLst>
-    <p:sldMasterId id="2147483648" r:id="rId1"/>
+    <p:sldMasterId id="2147483810" r:id="rId1"/>
   </p:sldMasterIdLst>
   <p:sldIdLst>
     <p:sldId id="256" r:id="rId2"/>
@@ -16,36 +16,31 @@
     <p:sldId id="298" r:id="rId10"/>
     <p:sldId id="261" r:id="rId11"/>
     <p:sldId id="262" r:id="rId12"/>
-    <p:sldId id="304" r:id="rId13"/>
-    <p:sldId id="290" r:id="rId14"/>
-    <p:sldId id="306" r:id="rId15"/>
-    <p:sldId id="302" r:id="rId16"/>
-    <p:sldId id="264" r:id="rId17"/>
-    <p:sldId id="294" r:id="rId18"/>
-    <p:sldId id="265" r:id="rId19"/>
-    <p:sldId id="282" r:id="rId20"/>
-    <p:sldId id="295" r:id="rId21"/>
-    <p:sldId id="266" r:id="rId22"/>
-    <p:sldId id="299" r:id="rId23"/>
-    <p:sldId id="267" r:id="rId24"/>
-    <p:sldId id="268" r:id="rId25"/>
-    <p:sldId id="269" r:id="rId26"/>
-    <p:sldId id="270" r:id="rId27"/>
-    <p:sldId id="284" r:id="rId28"/>
-    <p:sldId id="283" r:id="rId29"/>
-    <p:sldId id="273" r:id="rId30"/>
-    <p:sldId id="274" r:id="rId31"/>
-    <p:sldId id="275" r:id="rId32"/>
-    <p:sldId id="276" r:id="rId33"/>
-    <p:sldId id="286" r:id="rId34"/>
-    <p:sldId id="285" r:id="rId35"/>
-    <p:sldId id="278" r:id="rId36"/>
-    <p:sldId id="279" r:id="rId37"/>
-    <p:sldId id="291" r:id="rId38"/>
-    <p:sldId id="296" r:id="rId39"/>
-    <p:sldId id="287" r:id="rId40"/>
-    <p:sldId id="280" r:id="rId41"/>
-    <p:sldId id="289" r:id="rId42"/>
+    <p:sldId id="306" r:id="rId13"/>
+    <p:sldId id="264" r:id="rId14"/>
+    <p:sldId id="294" r:id="rId15"/>
+    <p:sldId id="265" r:id="rId16"/>
+    <p:sldId id="295" r:id="rId17"/>
+    <p:sldId id="266" r:id="rId18"/>
+    <p:sldId id="299" r:id="rId19"/>
+    <p:sldId id="267" r:id="rId20"/>
+    <p:sldId id="268" r:id="rId21"/>
+    <p:sldId id="269" r:id="rId22"/>
+    <p:sldId id="270" r:id="rId23"/>
+    <p:sldId id="284" r:id="rId24"/>
+    <p:sldId id="283" r:id="rId25"/>
+    <p:sldId id="273" r:id="rId26"/>
+    <p:sldId id="274" r:id="rId27"/>
+    <p:sldId id="275" r:id="rId28"/>
+    <p:sldId id="276" r:id="rId29"/>
+    <p:sldId id="286" r:id="rId30"/>
+    <p:sldId id="285" r:id="rId31"/>
+    <p:sldId id="278" r:id="rId32"/>
+    <p:sldId id="279" r:id="rId33"/>
+    <p:sldId id="307" r:id="rId34"/>
+    <p:sldId id="291" r:id="rId35"/>
+    <p:sldId id="280" r:id="rId36"/>
+    <p:sldId id="289" r:id="rId37"/>
   </p:sldIdLst>
   <p:sldSz cx="12192000" cy="6858000"/>
   <p:notesSz cx="6858000" cy="9144000"/>
@@ -332,11 +327,6 @@
         </p:txBody>
       </p:sp>
     </p:spTree>
-    <p:extLst>
-      <p:ext uri="{BB962C8B-B14F-4D97-AF65-F5344CB8AC3E}">
-        <p14:creationId xmlns:p14="http://schemas.microsoft.com/office/powerpoint/2010/main" val="1908598643"/>
-      </p:ext>
-    </p:extLst>
   </p:cSld>
   <p:clrMapOvr>
     <a:masterClrMapping/>
@@ -502,11 +492,6 @@
         </p:txBody>
       </p:sp>
     </p:spTree>
-    <p:extLst>
-      <p:ext uri="{BB962C8B-B14F-4D97-AF65-F5344CB8AC3E}">
-        <p14:creationId xmlns:p14="http://schemas.microsoft.com/office/powerpoint/2010/main" val="804308383"/>
-      </p:ext>
-    </p:extLst>
   </p:cSld>
   <p:clrMapOvr>
     <a:masterClrMapping/>
@@ -682,11 +667,6 @@
         </p:txBody>
       </p:sp>
     </p:spTree>
-    <p:extLst>
-      <p:ext uri="{BB962C8B-B14F-4D97-AF65-F5344CB8AC3E}">
-        <p14:creationId xmlns:p14="http://schemas.microsoft.com/office/powerpoint/2010/main" val="1748918863"/>
-      </p:ext>
-    </p:extLst>
   </p:cSld>
   <p:clrMapOvr>
     <a:masterClrMapping/>
@@ -852,11 +832,6 @@
         </p:txBody>
       </p:sp>
     </p:spTree>
-    <p:extLst>
-      <p:ext uri="{BB962C8B-B14F-4D97-AF65-F5344CB8AC3E}">
-        <p14:creationId xmlns:p14="http://schemas.microsoft.com/office/powerpoint/2010/main" val="854157662"/>
-      </p:ext>
-    </p:extLst>
   </p:cSld>
   <p:clrMapOvr>
     <a:masterClrMapping/>
@@ -1098,11 +1073,6 @@
         </p:txBody>
       </p:sp>
     </p:spTree>
-    <p:extLst>
-      <p:ext uri="{BB962C8B-B14F-4D97-AF65-F5344CB8AC3E}">
-        <p14:creationId xmlns:p14="http://schemas.microsoft.com/office/powerpoint/2010/main" val="2047128686"/>
-      </p:ext>
-    </p:extLst>
   </p:cSld>
   <p:clrMapOvr>
     <a:masterClrMapping/>
@@ -1330,11 +1300,6 @@
         </p:txBody>
       </p:sp>
     </p:spTree>
-    <p:extLst>
-      <p:ext uri="{BB962C8B-B14F-4D97-AF65-F5344CB8AC3E}">
-        <p14:creationId xmlns:p14="http://schemas.microsoft.com/office/powerpoint/2010/main" val="1256317015"/>
-      </p:ext>
-    </p:extLst>
   </p:cSld>
   <p:clrMapOvr>
     <a:masterClrMapping/>
@@ -1697,11 +1662,6 @@
         </p:txBody>
       </p:sp>
     </p:spTree>
-    <p:extLst>
-      <p:ext uri="{BB962C8B-B14F-4D97-AF65-F5344CB8AC3E}">
-        <p14:creationId xmlns:p14="http://schemas.microsoft.com/office/powerpoint/2010/main" val="860853801"/>
-      </p:ext>
-    </p:extLst>
   </p:cSld>
   <p:clrMapOvr>
     <a:masterClrMapping/>
@@ -1815,11 +1775,6 @@
         </p:txBody>
       </p:sp>
     </p:spTree>
-    <p:extLst>
-      <p:ext uri="{BB962C8B-B14F-4D97-AF65-F5344CB8AC3E}">
-        <p14:creationId xmlns:p14="http://schemas.microsoft.com/office/powerpoint/2010/main" val="772503568"/>
-      </p:ext>
-    </p:extLst>
   </p:cSld>
   <p:clrMapOvr>
     <a:masterClrMapping/>
@@ -1910,11 +1865,6 @@
         </p:txBody>
       </p:sp>
     </p:spTree>
-    <p:extLst>
-      <p:ext uri="{BB962C8B-B14F-4D97-AF65-F5344CB8AC3E}">
-        <p14:creationId xmlns:p14="http://schemas.microsoft.com/office/powerpoint/2010/main" val="1928821261"/>
-      </p:ext>
-    </p:extLst>
   </p:cSld>
   <p:clrMapOvr>
     <a:masterClrMapping/>
@@ -2187,11 +2137,6 @@
         </p:txBody>
       </p:sp>
     </p:spTree>
-    <p:extLst>
-      <p:ext uri="{BB962C8B-B14F-4D97-AF65-F5344CB8AC3E}">
-        <p14:creationId xmlns:p14="http://schemas.microsoft.com/office/powerpoint/2010/main" val="1433282162"/>
-      </p:ext>
-    </p:extLst>
   </p:cSld>
   <p:clrMapOvr>
     <a:masterClrMapping/>
@@ -2412,7 +2357,12 @@
           <a:bodyPr/>
           <a:lstStyle/>
           <a:p>
-            <a:endParaRPr lang="en-US"/>
+            <a:r>
+              <a:rPr lang="en-US" smtClean="0"/>
+              <a:t>
+              </a:t>
+            </a:r>
+            <a:endParaRPr lang="en-US" dirty="0"/>
           </a:p>
         </p:txBody>
       </p:sp>
@@ -2440,11 +2390,6 @@
         </p:txBody>
       </p:sp>
     </p:spTree>
-    <p:extLst>
-      <p:ext uri="{BB962C8B-B14F-4D97-AF65-F5344CB8AC3E}">
-        <p14:creationId xmlns:p14="http://schemas.microsoft.com/office/powerpoint/2010/main" val="849228335"/>
-      </p:ext>
-    </p:extLst>
   </p:cSld>
   <p:clrMapOvr>
     <a:masterClrMapping/>
@@ -2691,23 +2636,23 @@
     </p:spTree>
     <p:extLst>
       <p:ext uri="{BB962C8B-B14F-4D97-AF65-F5344CB8AC3E}">
-        <p14:creationId xmlns:p14="http://schemas.microsoft.com/office/powerpoint/2010/main" val="909730748"/>
+        <p14:creationId xmlns:p14="http://schemas.microsoft.com/office/powerpoint/2010/main" val="817208388"/>
       </p:ext>
     </p:extLst>
   </p:cSld>
   <p:clrMap bg1="lt1" tx1="dk1" bg2="lt2" tx2="dk2" accent1="accent1" accent2="accent2" accent3="accent3" accent4="accent4" accent5="accent5" accent6="accent6" hlink="hlink" folHlink="folHlink"/>
   <p:sldLayoutIdLst>
-    <p:sldLayoutId id="2147483649" r:id="rId1"/>
-    <p:sldLayoutId id="2147483650" r:id="rId2"/>
-    <p:sldLayoutId id="2147483651" r:id="rId3"/>
-    <p:sldLayoutId id="2147483652" r:id="rId4"/>
-    <p:sldLayoutId id="2147483653" r:id="rId5"/>
-    <p:sldLayoutId id="2147483654" r:id="rId6"/>
-    <p:sldLayoutId id="2147483655" r:id="rId7"/>
-    <p:sldLayoutId id="2147483656" r:id="rId8"/>
-    <p:sldLayoutId id="2147483657" r:id="rId9"/>
-    <p:sldLayoutId id="2147483658" r:id="rId10"/>
-    <p:sldLayoutId id="2147483659" r:id="rId11"/>
+    <p:sldLayoutId id="2147483811" r:id="rId1"/>
+    <p:sldLayoutId id="2147483812" r:id="rId2"/>
+    <p:sldLayoutId id="2147483813" r:id="rId3"/>
+    <p:sldLayoutId id="2147483814" r:id="rId4"/>
+    <p:sldLayoutId id="2147483815" r:id="rId5"/>
+    <p:sldLayoutId id="2147483816" r:id="rId6"/>
+    <p:sldLayoutId id="2147483817" r:id="rId7"/>
+    <p:sldLayoutId id="2147483818" r:id="rId8"/>
+    <p:sldLayoutId id="2147483819" r:id="rId9"/>
+    <p:sldLayoutId id="2147483820" r:id="rId10"/>
+    <p:sldLayoutId id="2147483821" r:id="rId11"/>
   </p:sldLayoutIdLst>
   <p:txStyles>
     <p:titleStyle>
@@ -3140,14 +3085,10 @@
           <a:p>
             <a:r>
               <a:rPr lang="en-US" b="1" dirty="0" smtClean="0"/>
-              <a:t>                        Focus </a:t>
-            </a:r>
-            <a:r>
-              <a:rPr lang="en-US" b="1" smtClean="0"/>
-              <a:t>of </a:t>
-            </a:r>
-            <a:r>
-              <a:rPr lang="en-US" b="1" smtClean="0"/>
+              <a:t>                        Focus of </a:t>
+            </a:r>
+            <a:r>
+              <a:rPr lang="en-US" b="1" dirty="0" smtClean="0"/>
               <a:t>my work</a:t>
             </a:r>
             <a:endParaRPr lang="en-US" b="1" dirty="0"/>
@@ -3513,330 +3454,14 @@
         </p:nvSpPr>
         <p:spPr>
           <a:xfrm>
-            <a:off x="4972050" y="307975"/>
-            <a:ext cx="2247900" cy="1325563"/>
-          </a:xfrm>
-        </p:spPr>
-        <p:txBody>
-          <a:bodyPr/>
-          <a:lstStyle/>
-          <a:p>
-            <a:r>
-              <a:rPr lang="en-US" b="1" dirty="0" smtClean="0"/>
-              <a:t>Outline</a:t>
-            </a:r>
-            <a:endParaRPr lang="en-US" b="1" dirty="0"/>
-          </a:p>
-        </p:txBody>
-      </p:sp>
-      <p:sp>
-        <p:nvSpPr>
-          <p:cNvPr id="3" name="Content Placeholder 2"/>
-          <p:cNvSpPr>
-            <a:spLocks noGrp="1"/>
-          </p:cNvSpPr>
-          <p:nvPr>
-            <p:ph idx="1"/>
-          </p:nvPr>
-        </p:nvSpPr>
-        <p:spPr/>
-        <p:txBody>
-          <a:bodyPr/>
-          <a:lstStyle/>
-          <a:p>
-            <a:pPr>
-              <a:buFont typeface="Wingdings" charset="2"/>
-              <a:buChar char="Ø"/>
-            </a:pPr>
-            <a:r>
-              <a:rPr lang="en-US" dirty="0" smtClean="0"/>
-              <a:t>Our Contributions</a:t>
-            </a:r>
-          </a:p>
-          <a:p>
-            <a:pPr>
-              <a:buFont typeface="Wingdings" charset="2"/>
-              <a:buChar char="Ø"/>
-            </a:pPr>
-            <a:r>
-              <a:rPr lang="en-US" dirty="0" smtClean="0"/>
-              <a:t>Adversary Model</a:t>
-            </a:r>
-          </a:p>
-          <a:p>
-            <a:pPr>
-              <a:buFont typeface="Wingdings" charset="2"/>
-              <a:buChar char="Ø"/>
-            </a:pPr>
-            <a:r>
-              <a:rPr lang="en-US" dirty="0" smtClean="0"/>
-              <a:t>Methodology</a:t>
-            </a:r>
-          </a:p>
-          <a:p>
-            <a:pPr>
-              <a:buFont typeface="Wingdings" charset="2"/>
-              <a:buChar char="Ø"/>
-            </a:pPr>
-            <a:r>
-              <a:rPr lang="en-US" dirty="0" smtClean="0"/>
-              <a:t>Privacy Evaluation Metrics</a:t>
-            </a:r>
-          </a:p>
-          <a:p>
-            <a:pPr>
-              <a:buFont typeface="Wingdings" charset="2"/>
-              <a:buChar char="Ø"/>
-            </a:pPr>
-            <a:r>
-              <a:rPr lang="en-US" dirty="0" smtClean="0"/>
-              <a:t>Initial Simulation Results</a:t>
-            </a:r>
-          </a:p>
-          <a:p>
-            <a:pPr>
-              <a:buFont typeface="Wingdings" charset="2"/>
-              <a:buChar char="Ø"/>
-            </a:pPr>
-            <a:r>
-              <a:rPr lang="en-US" dirty="0" smtClean="0"/>
-              <a:t>Challenges</a:t>
-            </a:r>
-          </a:p>
-          <a:p>
-            <a:pPr>
-              <a:buFont typeface="Wingdings" charset="2"/>
-              <a:buChar char="Ø"/>
-            </a:pPr>
-            <a:r>
-              <a:rPr lang="en-US" dirty="0" smtClean="0"/>
-              <a:t>Future Work and Conclusion</a:t>
-            </a:r>
-            <a:endParaRPr lang="en-US" dirty="0"/>
-          </a:p>
-        </p:txBody>
-      </p:sp>
-    </p:spTree>
-    <p:extLst>
-      <p:ext uri="{BB962C8B-B14F-4D97-AF65-F5344CB8AC3E}">
-        <p14:creationId xmlns:p14="http://schemas.microsoft.com/office/powerpoint/2010/main" val="796607713"/>
-      </p:ext>
-    </p:extLst>
-  </p:cSld>
-  <p:clrMapOvr>
-    <a:masterClrMapping/>
-  </p:clrMapOvr>
-  <p:timing>
-    <p:tnLst>
-      <p:par>
-        <p:cTn id="1" dur="indefinite" restart="never" nodeType="tmRoot"/>
-      </p:par>
-    </p:tnLst>
-  </p:timing>
-</p:sld>
-</file>
-
-<file path=ppt/slides/slide13.xml><?xml version="1.0" encoding="utf-8"?>
-<p:sld xmlns:a="http://schemas.openxmlformats.org/drawingml/2006/main" xmlns:r="http://schemas.openxmlformats.org/officeDocument/2006/relationships" xmlns:p="http://schemas.openxmlformats.org/presentationml/2006/main">
-  <p:cSld>
-    <p:spTree>
-      <p:nvGrpSpPr>
-        <p:cNvPr id="1" name=""/>
-        <p:cNvGrpSpPr/>
-        <p:nvPr/>
-      </p:nvGrpSpPr>
-      <p:grpSpPr>
-        <a:xfrm>
-          <a:off x="0" y="0"/>
-          <a:ext cx="0" cy="0"/>
-          <a:chOff x="0" y="0"/>
-          <a:chExt cx="0" cy="0"/>
-        </a:xfrm>
-      </p:grpSpPr>
-      <p:sp>
-        <p:nvSpPr>
-          <p:cNvPr id="2" name="Title 1"/>
-          <p:cNvSpPr>
-            <a:spLocks noGrp="1"/>
-          </p:cNvSpPr>
-          <p:nvPr>
-            <p:ph type="title"/>
-          </p:nvPr>
-        </p:nvSpPr>
-        <p:spPr/>
-        <p:txBody>
-          <a:bodyPr/>
-          <a:lstStyle/>
-          <a:p>
-            <a:r>
-              <a:rPr lang="en-US" b="1" dirty="0" smtClean="0"/>
-              <a:t>Our Contributions</a:t>
-            </a:r>
-            <a:endParaRPr lang="en-US" b="1" dirty="0"/>
-          </a:p>
-        </p:txBody>
-      </p:sp>
-      <p:sp>
-        <p:nvSpPr>
-          <p:cNvPr id="3" name="Content Placeholder 2"/>
-          <p:cNvSpPr>
-            <a:spLocks noGrp="1"/>
-          </p:cNvSpPr>
-          <p:nvPr>
-            <p:ph idx="1"/>
-          </p:nvPr>
-        </p:nvSpPr>
-        <p:spPr/>
-        <p:txBody>
-          <a:bodyPr/>
-          <a:lstStyle/>
-          <a:p>
-            <a:pPr>
-              <a:buFont typeface="Wingdings" charset="2"/>
-              <a:buChar char="Ø"/>
-            </a:pPr>
-            <a:r>
-              <a:rPr lang="en-US" dirty="0"/>
-              <a:t>Introduce Random Delays </a:t>
-            </a:r>
-            <a:r>
-              <a:rPr lang="en-US" dirty="0" smtClean="0"/>
-              <a:t>&amp; Indirections </a:t>
-            </a:r>
-            <a:r>
-              <a:rPr lang="en-US" dirty="0"/>
-              <a:t>in </a:t>
-            </a:r>
-            <a:r>
-              <a:rPr lang="en-US" dirty="0" smtClean="0"/>
-              <a:t>data </a:t>
-            </a:r>
-            <a:r>
-              <a:rPr lang="en-US" dirty="0"/>
-              <a:t>collection process. </a:t>
-            </a:r>
-          </a:p>
-          <a:p>
-            <a:pPr>
-              <a:buFont typeface="Wingdings" charset="2"/>
-              <a:buChar char="Ø"/>
-            </a:pPr>
-            <a:r>
-              <a:rPr lang="en-US" dirty="0"/>
-              <a:t>Implement different ways to cause Indirections </a:t>
-            </a:r>
-            <a:r>
-              <a:rPr lang="en-US" dirty="0" smtClean="0"/>
-              <a:t>&amp; experiment </a:t>
-            </a:r>
-            <a:r>
-              <a:rPr lang="en-US" dirty="0"/>
-              <a:t>with different Random Delays. </a:t>
-            </a:r>
-          </a:p>
-          <a:p>
-            <a:pPr>
-              <a:buFont typeface="Wingdings" charset="2"/>
-              <a:buChar char="Ø"/>
-            </a:pPr>
-            <a:r>
-              <a:rPr lang="en-US" dirty="0"/>
-              <a:t>Run simulations based on above techniques to get vehicle traces. </a:t>
-            </a:r>
-          </a:p>
-          <a:p>
-            <a:pPr>
-              <a:buFont typeface="Wingdings" charset="2"/>
-              <a:buChar char="Ø"/>
-            </a:pPr>
-            <a:r>
-              <a:rPr lang="en-US" dirty="0"/>
-              <a:t>Based on application type explore </a:t>
-            </a:r>
-            <a:r>
-              <a:rPr lang="en-US" dirty="0" smtClean="0"/>
-              <a:t>trade-off </a:t>
-            </a:r>
-            <a:r>
-              <a:rPr lang="en-US" dirty="0"/>
-              <a:t>between privacy &amp;</a:t>
-            </a:r>
-            <a:r>
-              <a:rPr lang="en-US" dirty="0" smtClean="0"/>
-              <a:t> </a:t>
-            </a:r>
-            <a:r>
-              <a:rPr lang="en-US" dirty="0"/>
-              <a:t>total delay which is acceptable for the message to be delivered. </a:t>
-            </a:r>
-          </a:p>
-          <a:p>
-            <a:pPr>
-              <a:buFont typeface="Wingdings" charset="2"/>
-              <a:buChar char="Ø"/>
-            </a:pPr>
-            <a:r>
-              <a:rPr lang="en-US" dirty="0"/>
-              <a:t>Evaluate our methods based on user defined privacy levels. </a:t>
-            </a:r>
-          </a:p>
-        </p:txBody>
-      </p:sp>
-    </p:spTree>
-    <p:extLst>
-      <p:ext uri="{BB962C8B-B14F-4D97-AF65-F5344CB8AC3E}">
-        <p14:creationId xmlns:p14="http://schemas.microsoft.com/office/powerpoint/2010/main" val="984585309"/>
-      </p:ext>
-    </p:extLst>
-  </p:cSld>
-  <p:clrMapOvr>
-    <a:masterClrMapping/>
-  </p:clrMapOvr>
-  <p:timing>
-    <p:tnLst>
-      <p:par>
-        <p:cTn id="1" dur="indefinite" restart="never" nodeType="tmRoot"/>
-      </p:par>
-    </p:tnLst>
-  </p:timing>
-</p:sld>
-</file>
-
-<file path=ppt/slides/slide14.xml><?xml version="1.0" encoding="utf-8"?>
-<p:sld xmlns:a="http://schemas.openxmlformats.org/drawingml/2006/main" xmlns:r="http://schemas.openxmlformats.org/officeDocument/2006/relationships" xmlns:p="http://schemas.openxmlformats.org/presentationml/2006/main">
-  <p:cSld>
-    <p:spTree>
-      <p:nvGrpSpPr>
-        <p:cNvPr id="1" name=""/>
-        <p:cNvGrpSpPr/>
-        <p:nvPr/>
-      </p:nvGrpSpPr>
-      <p:grpSpPr>
-        <a:xfrm>
-          <a:off x="0" y="0"/>
-          <a:ext cx="0" cy="0"/>
-          <a:chOff x="0" y="0"/>
-          <a:chExt cx="0" cy="0"/>
-        </a:xfrm>
-      </p:grpSpPr>
-      <p:sp>
-        <p:nvSpPr>
-          <p:cNvPr id="2" name="Title 1"/>
-          <p:cNvSpPr>
-            <a:spLocks noGrp="1"/>
-          </p:cNvSpPr>
-          <p:nvPr>
-            <p:ph type="title"/>
-          </p:nvPr>
-        </p:nvSpPr>
-        <p:spPr>
-          <a:xfrm>
             <a:off x="3732099" y="176665"/>
             <a:ext cx="4662487" cy="1325563"/>
           </a:xfrm>
         </p:spPr>
         <p:txBody>
-          <a:bodyPr/>
+          <a:bodyPr>
+            <a:normAutofit/>
+          </a:bodyPr>
           <a:lstStyle/>
           <a:p>
             <a:r>
@@ -4510,72 +4135,7 @@
 </p:sld>
 </file>
 
-<file path=ppt/slides/slide15.xml><?xml version="1.0" encoding="utf-8"?>
-<p:sld xmlns:a="http://schemas.openxmlformats.org/drawingml/2006/main" xmlns:r="http://schemas.openxmlformats.org/officeDocument/2006/relationships" xmlns:p="http://schemas.openxmlformats.org/presentationml/2006/main">
-  <p:cSld>
-    <p:spTree>
-      <p:nvGrpSpPr>
-        <p:cNvPr id="1" name=""/>
-        <p:cNvGrpSpPr/>
-        <p:nvPr/>
-      </p:nvGrpSpPr>
-      <p:grpSpPr>
-        <a:xfrm>
-          <a:off x="0" y="0"/>
-          <a:ext cx="0" cy="0"/>
-          <a:chOff x="0" y="0"/>
-          <a:chExt cx="0" cy="0"/>
-        </a:xfrm>
-      </p:grpSpPr>
-      <p:sp>
-        <p:nvSpPr>
-          <p:cNvPr id="2" name="Title 1"/>
-          <p:cNvSpPr>
-            <a:spLocks noGrp="1"/>
-          </p:cNvSpPr>
-          <p:nvPr>
-            <p:ph type="title"/>
-          </p:nvPr>
-        </p:nvSpPr>
-        <p:spPr>
-          <a:xfrm>
-            <a:off x="4138612" y="2493962"/>
-            <a:ext cx="3905251" cy="1325563"/>
-          </a:xfrm>
-        </p:spPr>
-        <p:txBody>
-          <a:bodyPr/>
-          <a:lstStyle/>
-          <a:p>
-            <a:r>
-              <a:rPr lang="en-US" b="1" dirty="0" smtClean="0"/>
-              <a:t>Methodology</a:t>
-            </a:r>
-            <a:endParaRPr lang="en-US" b="1" dirty="0"/>
-          </a:p>
-        </p:txBody>
-      </p:sp>
-    </p:spTree>
-    <p:extLst>
-      <p:ext uri="{BB962C8B-B14F-4D97-AF65-F5344CB8AC3E}">
-        <p14:creationId xmlns:p14="http://schemas.microsoft.com/office/powerpoint/2010/main" val="1598156547"/>
-      </p:ext>
-    </p:extLst>
-  </p:cSld>
-  <p:clrMapOvr>
-    <a:masterClrMapping/>
-  </p:clrMapOvr>
-  <p:timing>
-    <p:tnLst>
-      <p:par>
-        <p:cTn id="1" dur="indefinite" restart="never" nodeType="tmRoot"/>
-      </p:par>
-    </p:tnLst>
-  </p:timing>
-</p:sld>
-</file>
-
-<file path=ppt/slides/slide16.xml><?xml version="1.0" encoding="utf-8"?>
+<file path=ppt/slides/slide13.xml><?xml version="1.0" encoding="utf-8"?>
 <p:sld xmlns:a="http://schemas.openxmlformats.org/drawingml/2006/main" xmlns:r="http://schemas.openxmlformats.org/officeDocument/2006/relationships" xmlns:p="http://schemas.openxmlformats.org/presentationml/2006/main">
   <p:cSld>
     <p:spTree>
@@ -6360,7 +5920,7 @@
 </p:sld>
 </file>
 
-<file path=ppt/slides/slide17.xml><?xml version="1.0" encoding="utf-8"?>
+<file path=ppt/slides/slide14.xml><?xml version="1.0" encoding="utf-8"?>
 <p:sld xmlns:a="http://schemas.openxmlformats.org/drawingml/2006/main" xmlns:r="http://schemas.openxmlformats.org/officeDocument/2006/relationships" xmlns:p="http://schemas.openxmlformats.org/presentationml/2006/main">
   <p:cSld>
     <p:spTree>
@@ -6394,7 +5954,9 @@
           </a:xfrm>
         </p:spPr>
         <p:txBody>
-          <a:bodyPr/>
+          <a:bodyPr>
+            <a:normAutofit/>
+          </a:bodyPr>
           <a:lstStyle/>
           <a:p>
             <a:r>
@@ -6537,7 +6099,7 @@
 </p:sld>
 </file>
 
-<file path=ppt/slides/slide18.xml><?xml version="1.0" encoding="utf-8"?>
+<file path=ppt/slides/slide15.xml><?xml version="1.0" encoding="utf-8"?>
 <p:sld xmlns:a="http://schemas.openxmlformats.org/drawingml/2006/main" xmlns:r="http://schemas.openxmlformats.org/officeDocument/2006/relationships" xmlns:p="http://schemas.openxmlformats.org/presentationml/2006/main">
   <p:cSld>
     <p:spTree>
@@ -9819,7 +9381,7 @@
 </p:sld>
 </file>
 
-<file path=ppt/slides/slide19.xml><?xml version="1.0" encoding="utf-8"?>
+<file path=ppt/slides/slide16.xml><?xml version="1.0" encoding="utf-8"?>
 <p:sld xmlns:a="http://schemas.openxmlformats.org/drawingml/2006/main" xmlns:r="http://schemas.openxmlformats.org/officeDocument/2006/relationships" xmlns:p="http://schemas.openxmlformats.org/presentationml/2006/main">
   <p:cSld>
     <p:spTree>
@@ -9848,152 +9410,14 @@
         </p:nvSpPr>
         <p:spPr>
           <a:xfrm>
-            <a:off x="3214695" y="2306185"/>
-            <a:ext cx="6857995" cy="1325563"/>
+            <a:off x="3938588" y="233362"/>
+            <a:ext cx="3719512" cy="992187"/>
           </a:xfrm>
         </p:spPr>
         <p:txBody>
           <a:bodyPr>
             <a:normAutofit/>
           </a:bodyPr>
-          <a:lstStyle/>
-          <a:p>
-            <a:r>
-              <a:rPr lang="en-US" sz="5400" b="1" dirty="0" smtClean="0"/>
-              <a:t>Can we do better ?</a:t>
-            </a:r>
-            <a:endParaRPr lang="en-US" sz="5400" b="1" dirty="0"/>
-          </a:p>
-        </p:txBody>
-      </p:sp>
-    </p:spTree>
-    <p:extLst>
-      <p:ext uri="{BB962C8B-B14F-4D97-AF65-F5344CB8AC3E}">
-        <p14:creationId xmlns:p14="http://schemas.microsoft.com/office/powerpoint/2010/main" val="379718842"/>
-      </p:ext>
-    </p:extLst>
-  </p:cSld>
-  <p:clrMapOvr>
-    <a:masterClrMapping/>
-  </p:clrMapOvr>
-  <p:timing>
-    <p:tnLst>
-      <p:par>
-        <p:cTn id="1" dur="indefinite" restart="never" nodeType="tmRoot"/>
-      </p:par>
-    </p:tnLst>
-  </p:timing>
-</p:sld>
-</file>
-
-<file path=ppt/slides/slide2.xml><?xml version="1.0" encoding="utf-8"?>
-<p:sld xmlns:a="http://schemas.openxmlformats.org/drawingml/2006/main" xmlns:r="http://schemas.openxmlformats.org/officeDocument/2006/relationships" xmlns:p="http://schemas.openxmlformats.org/presentationml/2006/main">
-  <p:cSld>
-    <p:spTree>
-      <p:nvGrpSpPr>
-        <p:cNvPr id="1" name=""/>
-        <p:cNvGrpSpPr/>
-        <p:nvPr/>
-      </p:nvGrpSpPr>
-      <p:grpSpPr>
-        <a:xfrm>
-          <a:off x="0" y="0"/>
-          <a:ext cx="0" cy="0"/>
-          <a:chOff x="0" y="0"/>
-          <a:chExt cx="0" cy="0"/>
-        </a:xfrm>
-      </p:grpSpPr>
-      <p:sp>
-        <p:nvSpPr>
-          <p:cNvPr id="2" name="Title 1"/>
-          <p:cNvSpPr>
-            <a:spLocks noGrp="1"/>
-          </p:cNvSpPr>
-          <p:nvPr>
-            <p:ph type="title"/>
-          </p:nvPr>
-        </p:nvSpPr>
-        <p:spPr>
-          <a:xfrm>
-            <a:off x="2466975" y="2651124"/>
-            <a:ext cx="7748588" cy="1325563"/>
-          </a:xfrm>
-        </p:spPr>
-        <p:txBody>
-          <a:bodyPr/>
-          <a:lstStyle/>
-          <a:p>
-            <a:r>
-              <a:rPr lang="en-US" b="1" dirty="0" smtClean="0"/>
-              <a:t>Ease of Collecting Location </a:t>
-            </a:r>
-            <a:r>
-              <a:rPr lang="en-US" b="1" dirty="0"/>
-              <a:t>D</a:t>
-            </a:r>
-            <a:r>
-              <a:rPr lang="en-US" b="1" dirty="0" smtClean="0"/>
-              <a:t>ata</a:t>
-            </a:r>
-            <a:endParaRPr lang="en-US" b="1" dirty="0"/>
-          </a:p>
-        </p:txBody>
-      </p:sp>
-    </p:spTree>
-    <p:extLst>
-      <p:ext uri="{BB962C8B-B14F-4D97-AF65-F5344CB8AC3E}">
-        <p14:creationId xmlns:p14="http://schemas.microsoft.com/office/powerpoint/2010/main" val="589753821"/>
-      </p:ext>
-    </p:extLst>
-  </p:cSld>
-  <p:clrMapOvr>
-    <a:masterClrMapping/>
-  </p:clrMapOvr>
-  <p:timing>
-    <p:tnLst>
-      <p:par>
-        <p:cTn id="1" dur="indefinite" restart="never" nodeType="tmRoot"/>
-      </p:par>
-    </p:tnLst>
-  </p:timing>
-</p:sld>
-</file>
-
-<file path=ppt/slides/slide20.xml><?xml version="1.0" encoding="utf-8"?>
-<p:sld xmlns:a="http://schemas.openxmlformats.org/drawingml/2006/main" xmlns:r="http://schemas.openxmlformats.org/officeDocument/2006/relationships" xmlns:p="http://schemas.openxmlformats.org/presentationml/2006/main">
-  <p:cSld>
-    <p:spTree>
-      <p:nvGrpSpPr>
-        <p:cNvPr id="1" name=""/>
-        <p:cNvGrpSpPr/>
-        <p:nvPr/>
-      </p:nvGrpSpPr>
-      <p:grpSpPr>
-        <a:xfrm>
-          <a:off x="0" y="0"/>
-          <a:ext cx="0" cy="0"/>
-          <a:chOff x="0" y="0"/>
-          <a:chExt cx="0" cy="0"/>
-        </a:xfrm>
-      </p:grpSpPr>
-      <p:sp>
-        <p:nvSpPr>
-          <p:cNvPr id="2" name="Title 1"/>
-          <p:cNvSpPr>
-            <a:spLocks noGrp="1"/>
-          </p:cNvSpPr>
-          <p:nvPr>
-            <p:ph type="title"/>
-          </p:nvPr>
-        </p:nvSpPr>
-        <p:spPr>
-          <a:xfrm>
-            <a:off x="3938588" y="233362"/>
-            <a:ext cx="3719512" cy="992187"/>
-          </a:xfrm>
-        </p:spPr>
-        <p:txBody>
-          <a:bodyPr/>
           <a:lstStyle/>
           <a:p>
             <a:r>
@@ -10112,7 +9536,7 @@
 </p:sld>
 </file>
 
-<file path=ppt/slides/slide21.xml><?xml version="1.0" encoding="utf-8"?>
+<file path=ppt/slides/slide17.xml><?xml version="1.0" encoding="utf-8"?>
 <p:sld xmlns:a="http://schemas.openxmlformats.org/drawingml/2006/main" xmlns:r="http://schemas.openxmlformats.org/officeDocument/2006/relationships" xmlns:p="http://schemas.openxmlformats.org/presentationml/2006/main">
   <p:cSld>
     <p:spTree>
@@ -13404,7 +12828,7 @@
 </p:sld>
 </file>
 
-<file path=ppt/slides/slide22.xml><?xml version="1.0" encoding="utf-8"?>
+<file path=ppt/slides/slide18.xml><?xml version="1.0" encoding="utf-8"?>
 <p:sld xmlns:a="http://schemas.openxmlformats.org/drawingml/2006/main" xmlns:r="http://schemas.openxmlformats.org/officeDocument/2006/relationships" xmlns:p="http://schemas.openxmlformats.org/presentationml/2006/main">
   <p:cSld>
     <p:spTree>
@@ -13438,7 +12862,9 @@
           </a:xfrm>
         </p:spPr>
         <p:txBody>
-          <a:bodyPr/>
+          <a:bodyPr>
+            <a:normAutofit/>
+          </a:bodyPr>
           <a:lstStyle/>
           <a:p>
             <a:r>
@@ -13477,7 +12903,7 @@
 </p:sld>
 </file>
 
-<file path=ppt/slides/slide23.xml><?xml version="1.0" encoding="utf-8"?>
+<file path=ppt/slides/slide19.xml><?xml version="1.0" encoding="utf-8"?>
 <p:sld xmlns:a="http://schemas.openxmlformats.org/drawingml/2006/main" xmlns:r="http://schemas.openxmlformats.org/officeDocument/2006/relationships" xmlns:p="http://schemas.openxmlformats.org/presentationml/2006/main">
   <p:cSld>
     <p:spTree>
@@ -14639,7 +14065,7 @@
 </p:sld>
 </file>
 
-<file path=ppt/slides/slide24.xml><?xml version="1.0" encoding="utf-8"?>
+<file path=ppt/slides/slide2.xml><?xml version="1.0" encoding="utf-8"?>
 <p:sld xmlns:a="http://schemas.openxmlformats.org/drawingml/2006/main" xmlns:r="http://schemas.openxmlformats.org/officeDocument/2006/relationships" xmlns:p="http://schemas.openxmlformats.org/presentationml/2006/main">
   <p:cSld>
     <p:spTree>
@@ -14668,323 +14094,36 @@
         </p:nvSpPr>
         <p:spPr>
           <a:xfrm>
-            <a:off x="174172" y="0"/>
-            <a:ext cx="10515600" cy="892629"/>
+            <a:off x="2466975" y="2651124"/>
+            <a:ext cx="7748588" cy="1325563"/>
           </a:xfrm>
         </p:spPr>
         <p:txBody>
-          <a:bodyPr/>
-          <a:lstStyle/>
-          <a:p>
-            <a:r>
-              <a:rPr lang="en-US" b="1" dirty="0" smtClean="0"/>
-              <a:t>Scenario at time T1</a:t>
-            </a:r>
-            <a:endParaRPr lang="en-US" b="1" dirty="0"/>
-          </a:p>
-        </p:txBody>
-      </p:sp>
-      <p:sp>
-        <p:nvSpPr>
-          <p:cNvPr id="3" name="Content Placeholder 2"/>
-          <p:cNvSpPr>
-            <a:spLocks noGrp="1"/>
-          </p:cNvSpPr>
-          <p:nvPr>
-            <p:ph idx="1"/>
-          </p:nvPr>
-        </p:nvSpPr>
-        <p:spPr>
-          <a:xfrm>
-            <a:off x="174172" y="1020082"/>
-            <a:ext cx="11647714" cy="5467804"/>
-          </a:xfrm>
-        </p:spPr>
-        <p:txBody>
-          <a:bodyPr/>
-          <a:lstStyle/>
-          <a:p>
-            <a:pPr>
-              <a:buFont typeface="Wingdings" charset="2"/>
-              <a:buChar char="Ø"/>
-            </a:pPr>
-            <a:r>
-              <a:rPr lang="en-US" dirty="0" smtClean="0"/>
-              <a:t>When </a:t>
-            </a:r>
-            <a:r>
-              <a:rPr lang="en-US" b="1" dirty="0" smtClean="0">
-                <a:solidFill>
-                  <a:srgbClr val="FF0000"/>
-                </a:solidFill>
-              </a:rPr>
-              <a:t>U </a:t>
-            </a:r>
-            <a:r>
-              <a:rPr lang="en-US" dirty="0" smtClean="0"/>
-              <a:t>uploads data first time server draws circle of some radius r. </a:t>
-            </a:r>
-            <a:endParaRPr lang="en-US" dirty="0"/>
-          </a:p>
-          <a:p>
-            <a:pPr>
-              <a:buFont typeface="Wingdings" charset="2"/>
-              <a:buChar char="Ø"/>
-            </a:pPr>
-            <a:r>
-              <a:rPr lang="en-US" dirty="0"/>
-              <a:t>C</a:t>
-            </a:r>
-            <a:r>
-              <a:rPr lang="en-US" dirty="0" smtClean="0"/>
-              <a:t>enter of this circle be z1, let us name this circle </a:t>
-            </a:r>
-            <a:r>
-              <a:rPr lang="en-US" b="1" dirty="0" smtClean="0">
-                <a:solidFill>
-                  <a:srgbClr val="FF0000"/>
-                </a:solidFill>
-              </a:rPr>
-              <a:t>C1</a:t>
-            </a:r>
-            <a:r>
-              <a:rPr lang="en-US" dirty="0" smtClean="0"/>
-              <a:t>. </a:t>
-            </a:r>
-            <a:endParaRPr lang="en-US" dirty="0"/>
-          </a:p>
-        </p:txBody>
-      </p:sp>
-      <p:sp>
-        <p:nvSpPr>
-          <p:cNvPr id="4" name="Oval 3"/>
-          <p:cNvSpPr/>
-          <p:nvPr/>
-        </p:nvSpPr>
-        <p:spPr>
-          <a:xfrm>
-            <a:off x="3643268" y="2712289"/>
-            <a:ext cx="2801074" cy="2750144"/>
-          </a:xfrm>
-          <a:prstGeom prst="ellipse">
-            <a:avLst/>
-          </a:prstGeom>
-          <a:ln w="28575"/>
-        </p:spPr>
-        <p:style>
-          <a:lnRef idx="2">
-            <a:schemeClr val="accent6"/>
-          </a:lnRef>
-          <a:fillRef idx="1">
-            <a:schemeClr val="lt1"/>
-          </a:fillRef>
-          <a:effectRef idx="0">
-            <a:schemeClr val="accent6"/>
-          </a:effectRef>
-          <a:fontRef idx="minor">
-            <a:schemeClr val="dk1"/>
-          </a:fontRef>
-        </p:style>
-        <p:txBody>
-          <a:bodyPr rtlCol="0" anchor="ctr"/>
-          <a:lstStyle/>
-          <a:p>
-            <a:pPr algn="ctr"/>
-            <a:endParaRPr lang="en-US">
-              <a:ln w="0"/>
-              <a:solidFill>
-                <a:schemeClr val="tx1"/>
-              </a:solidFill>
-              <a:effectLst>
-                <a:outerShdw blurRad="38100" dist="19050" dir="2700000" algn="tl" rotWithShape="0">
-                  <a:schemeClr val="dk1">
-                    <a:alpha val="40000"/>
-                  </a:schemeClr>
-                </a:outerShdw>
-              </a:effectLst>
-            </a:endParaRPr>
-          </a:p>
-        </p:txBody>
-      </p:sp>
-      <p:cxnSp>
-        <p:nvCxnSpPr>
-          <p:cNvPr id="5" name="Straight Connector 4"/>
-          <p:cNvCxnSpPr/>
-          <p:nvPr/>
-        </p:nvCxnSpPr>
-        <p:spPr>
-          <a:xfrm flipV="1">
-            <a:off x="5056345" y="4028853"/>
-            <a:ext cx="1387997" cy="13956"/>
-          </a:xfrm>
-          <a:prstGeom prst="line">
-            <a:avLst/>
-          </a:prstGeom>
-        </p:spPr>
-        <p:style>
-          <a:lnRef idx="1">
-            <a:schemeClr val="accent1"/>
-          </a:lnRef>
-          <a:fillRef idx="0">
-            <a:schemeClr val="accent1"/>
-          </a:fillRef>
-          <a:effectRef idx="0">
-            <a:schemeClr val="accent1"/>
-          </a:effectRef>
-          <a:fontRef idx="minor">
-            <a:schemeClr val="tx1"/>
-          </a:fontRef>
-        </p:style>
-      </p:cxnSp>
-      <p:sp>
-        <p:nvSpPr>
-          <p:cNvPr id="6" name="TextBox 5"/>
-          <p:cNvSpPr txBox="1"/>
-          <p:nvPr/>
-        </p:nvSpPr>
-        <p:spPr>
-          <a:xfrm>
-            <a:off x="4693189" y="4011022"/>
-            <a:ext cx="567159" cy="406265"/>
-          </a:xfrm>
-          <a:prstGeom prst="rect">
-            <a:avLst/>
-          </a:prstGeom>
-          <a:noFill/>
-        </p:spPr>
-        <p:txBody>
-          <a:bodyPr wrap="square" rtlCol="0">
-            <a:spAutoFit/>
+          <a:bodyPr>
+            <a:normAutofit/>
           </a:bodyPr>
           <a:lstStyle/>
           <a:p>
             <a:r>
-              <a:rPr lang="en-US" dirty="0" smtClean="0"/>
-              <a:t>z1</a:t>
-            </a:r>
-            <a:endParaRPr lang="en-US" dirty="0"/>
-          </a:p>
-        </p:txBody>
-      </p:sp>
-      <p:sp>
-        <p:nvSpPr>
-          <p:cNvPr id="7" name="TextBox 6"/>
-          <p:cNvSpPr txBox="1"/>
-          <p:nvPr/>
-        </p:nvSpPr>
-        <p:spPr>
-          <a:xfrm>
-            <a:off x="5464352" y="3641747"/>
-            <a:ext cx="358815" cy="406205"/>
-          </a:xfrm>
-          <a:prstGeom prst="rect">
-            <a:avLst/>
-          </a:prstGeom>
-          <a:noFill/>
-        </p:spPr>
-        <p:txBody>
-          <a:bodyPr wrap="square" rtlCol="0">
-            <a:spAutoFit/>
-          </a:bodyPr>
-          <a:lstStyle/>
-          <a:p>
-            <a:r>
-              <a:rPr lang="en-US" dirty="0" smtClean="0"/>
-              <a:t>r</a:t>
-            </a:r>
-            <a:endParaRPr lang="en-US" dirty="0"/>
-          </a:p>
-        </p:txBody>
-      </p:sp>
-      <p:sp>
-        <p:nvSpPr>
-          <p:cNvPr id="8" name="TextBox 7"/>
-          <p:cNvSpPr txBox="1"/>
-          <p:nvPr/>
-        </p:nvSpPr>
-        <p:spPr>
-          <a:xfrm>
-            <a:off x="4693189" y="5493695"/>
-            <a:ext cx="771163" cy="406265"/>
-          </a:xfrm>
-          <a:prstGeom prst="rect">
-            <a:avLst/>
-          </a:prstGeom>
-          <a:noFill/>
-        </p:spPr>
-        <p:txBody>
-          <a:bodyPr wrap="square" rtlCol="0">
-            <a:spAutoFit/>
-          </a:bodyPr>
-          <a:lstStyle/>
-          <a:p>
-            <a:r>
-              <a:rPr lang="en-US" dirty="0" smtClean="0"/>
-              <a:t>C1</a:t>
-            </a:r>
-            <a:endParaRPr lang="en-US" dirty="0"/>
-          </a:p>
-        </p:txBody>
-      </p:sp>
-      <p:sp>
-        <p:nvSpPr>
-          <p:cNvPr id="9" name="TextBox 8"/>
-          <p:cNvSpPr txBox="1"/>
-          <p:nvPr/>
-        </p:nvSpPr>
-        <p:spPr>
-          <a:xfrm>
-            <a:off x="7316302" y="3216958"/>
-            <a:ext cx="2743200" cy="923330"/>
-          </a:xfrm>
-          <a:prstGeom prst="rect">
-            <a:avLst/>
-          </a:prstGeom>
-        </p:spPr>
-        <p:style>
-          <a:lnRef idx="2">
-            <a:schemeClr val="dk1"/>
-          </a:lnRef>
-          <a:fillRef idx="1">
-            <a:schemeClr val="lt1"/>
-          </a:fillRef>
-          <a:effectRef idx="0">
-            <a:schemeClr val="dk1"/>
-          </a:effectRef>
-          <a:fontRef idx="minor">
-            <a:schemeClr val="dk1"/>
-          </a:fontRef>
-        </p:style>
-        <p:txBody>
-          <a:bodyPr wrap="square" rtlCol="0">
-            <a:spAutoFit/>
-          </a:bodyPr>
-          <a:lstStyle/>
-          <a:p>
-            <a:r>
-              <a:rPr lang="en-US" dirty="0" smtClean="0"/>
-              <a:t>z1 is point where data is collected by source. (Same as </a:t>
-            </a:r>
-            <a:r>
-              <a:rPr lang="en-US" b="1" dirty="0" smtClean="0">
-                <a:solidFill>
-                  <a:srgbClr val="FF0000"/>
-                </a:solidFill>
-              </a:rPr>
-              <a:t>X,Y</a:t>
-            </a:r>
-            <a:r>
-              <a:rPr lang="en-US" dirty="0" smtClean="0"/>
-              <a:t> in previous slide)</a:t>
-            </a:r>
-            <a:endParaRPr lang="en-US" dirty="0"/>
+              <a:rPr lang="en-US" b="1" dirty="0" smtClean="0"/>
+              <a:t>Ease of Collecting Location </a:t>
+            </a:r>
+            <a:r>
+              <a:rPr lang="en-US" b="1" dirty="0"/>
+              <a:t>D</a:t>
+            </a:r>
+            <a:r>
+              <a:rPr lang="en-US" b="1" dirty="0" smtClean="0"/>
+              <a:t>ata</a:t>
+            </a:r>
+            <a:endParaRPr lang="en-US" b="1" dirty="0"/>
           </a:p>
         </p:txBody>
       </p:sp>
     </p:spTree>
     <p:extLst>
       <p:ext uri="{BB962C8B-B14F-4D97-AF65-F5344CB8AC3E}">
-        <p14:creationId xmlns:p14="http://schemas.microsoft.com/office/powerpoint/2010/main" val="1340865095"/>
+        <p14:creationId xmlns:p14="http://schemas.microsoft.com/office/powerpoint/2010/main" val="589753821"/>
       </p:ext>
     </p:extLst>
   </p:cSld>
@@ -15001,7 +14140,7 @@
 </p:sld>
 </file>
 
-<file path=ppt/slides/slide25.xml><?xml version="1.0" encoding="utf-8"?>
+<file path=ppt/slides/slide20.xml><?xml version="1.0" encoding="utf-8"?>
 <p:sld xmlns:a="http://schemas.openxmlformats.org/drawingml/2006/main" xmlns:r="http://schemas.openxmlformats.org/officeDocument/2006/relationships" xmlns:p="http://schemas.openxmlformats.org/presentationml/2006/main">
   <p:cSld>
     <p:spTree>
@@ -15030,12 +14169,376 @@
         </p:nvSpPr>
         <p:spPr>
           <a:xfrm>
+            <a:off x="174172" y="0"/>
+            <a:ext cx="10515600" cy="892629"/>
+          </a:xfrm>
+        </p:spPr>
+        <p:txBody>
+          <a:bodyPr/>
+          <a:lstStyle/>
+          <a:p>
+            <a:r>
+              <a:rPr lang="en-US" b="1" dirty="0" smtClean="0"/>
+              <a:t>Scenario at time T1</a:t>
+            </a:r>
+            <a:endParaRPr lang="en-US" b="1" dirty="0"/>
+          </a:p>
+        </p:txBody>
+      </p:sp>
+      <p:sp>
+        <p:nvSpPr>
+          <p:cNvPr id="3" name="Content Placeholder 2"/>
+          <p:cNvSpPr>
+            <a:spLocks noGrp="1"/>
+          </p:cNvSpPr>
+          <p:nvPr>
+            <p:ph idx="1"/>
+          </p:nvPr>
+        </p:nvSpPr>
+        <p:spPr>
+          <a:xfrm>
+            <a:off x="174172" y="1020082"/>
+            <a:ext cx="11647714" cy="5467804"/>
+          </a:xfrm>
+        </p:spPr>
+        <p:txBody>
+          <a:bodyPr/>
+          <a:lstStyle/>
+          <a:p>
+            <a:pPr>
+              <a:buFont typeface="Wingdings" charset="2"/>
+              <a:buChar char="Ø"/>
+            </a:pPr>
+            <a:r>
+              <a:rPr lang="en-US" dirty="0" smtClean="0"/>
+              <a:t>When </a:t>
+            </a:r>
+            <a:r>
+              <a:rPr lang="en-US" b="1" dirty="0" smtClean="0">
+                <a:solidFill>
+                  <a:srgbClr val="FF0000"/>
+                </a:solidFill>
+              </a:rPr>
+              <a:t>U </a:t>
+            </a:r>
+            <a:r>
+              <a:rPr lang="en-US" dirty="0" smtClean="0"/>
+              <a:t>uploads data first time server draws circle of some radius r. </a:t>
+            </a:r>
+            <a:endParaRPr lang="en-US" dirty="0"/>
+          </a:p>
+          <a:p>
+            <a:pPr>
+              <a:buFont typeface="Wingdings" charset="2"/>
+              <a:buChar char="Ø"/>
+            </a:pPr>
+            <a:r>
+              <a:rPr lang="en-US" dirty="0"/>
+              <a:t>C</a:t>
+            </a:r>
+            <a:r>
+              <a:rPr lang="en-US" dirty="0" smtClean="0"/>
+              <a:t>enter of this circle be z1, let us name this circle </a:t>
+            </a:r>
+            <a:r>
+              <a:rPr lang="en-US" b="1" dirty="0" smtClean="0">
+                <a:solidFill>
+                  <a:srgbClr val="FF0000"/>
+                </a:solidFill>
+              </a:rPr>
+              <a:t>C1</a:t>
+            </a:r>
+            <a:r>
+              <a:rPr lang="en-US" dirty="0" smtClean="0"/>
+              <a:t>. </a:t>
+            </a:r>
+            <a:endParaRPr lang="en-US" dirty="0"/>
+          </a:p>
+        </p:txBody>
+      </p:sp>
+      <p:sp>
+        <p:nvSpPr>
+          <p:cNvPr id="4" name="Oval 3"/>
+          <p:cNvSpPr/>
+          <p:nvPr/>
+        </p:nvSpPr>
+        <p:spPr>
+          <a:xfrm>
+            <a:off x="3643268" y="2712289"/>
+            <a:ext cx="2801074" cy="2750144"/>
+          </a:xfrm>
+          <a:prstGeom prst="ellipse">
+            <a:avLst/>
+          </a:prstGeom>
+          <a:ln w="28575"/>
+        </p:spPr>
+        <p:style>
+          <a:lnRef idx="2">
+            <a:schemeClr val="accent6"/>
+          </a:lnRef>
+          <a:fillRef idx="1">
+            <a:schemeClr val="lt1"/>
+          </a:fillRef>
+          <a:effectRef idx="0">
+            <a:schemeClr val="accent6"/>
+          </a:effectRef>
+          <a:fontRef idx="minor">
+            <a:schemeClr val="dk1"/>
+          </a:fontRef>
+        </p:style>
+        <p:txBody>
+          <a:bodyPr rtlCol="0" anchor="ctr"/>
+          <a:lstStyle/>
+          <a:p>
+            <a:pPr algn="ctr"/>
+            <a:endParaRPr lang="en-US">
+              <a:ln w="0"/>
+              <a:solidFill>
+                <a:schemeClr val="tx1"/>
+              </a:solidFill>
+              <a:effectLst>
+                <a:outerShdw blurRad="38100" dist="19050" dir="2700000" algn="tl" rotWithShape="0">
+                  <a:schemeClr val="dk1">
+                    <a:alpha val="40000"/>
+                  </a:schemeClr>
+                </a:outerShdw>
+              </a:effectLst>
+            </a:endParaRPr>
+          </a:p>
+        </p:txBody>
+      </p:sp>
+      <p:cxnSp>
+        <p:nvCxnSpPr>
+          <p:cNvPr id="5" name="Straight Connector 4"/>
+          <p:cNvCxnSpPr/>
+          <p:nvPr/>
+        </p:nvCxnSpPr>
+        <p:spPr>
+          <a:xfrm flipV="1">
+            <a:off x="5056345" y="4028853"/>
+            <a:ext cx="1387997" cy="13956"/>
+          </a:xfrm>
+          <a:prstGeom prst="line">
+            <a:avLst/>
+          </a:prstGeom>
+        </p:spPr>
+        <p:style>
+          <a:lnRef idx="1">
+            <a:schemeClr val="accent1"/>
+          </a:lnRef>
+          <a:fillRef idx="0">
+            <a:schemeClr val="accent1"/>
+          </a:fillRef>
+          <a:effectRef idx="0">
+            <a:schemeClr val="accent1"/>
+          </a:effectRef>
+          <a:fontRef idx="minor">
+            <a:schemeClr val="tx1"/>
+          </a:fontRef>
+        </p:style>
+      </p:cxnSp>
+      <p:sp>
+        <p:nvSpPr>
+          <p:cNvPr id="6" name="TextBox 5"/>
+          <p:cNvSpPr txBox="1"/>
+          <p:nvPr/>
+        </p:nvSpPr>
+        <p:spPr>
+          <a:xfrm>
+            <a:off x="4693189" y="4011022"/>
+            <a:ext cx="567159" cy="406265"/>
+          </a:xfrm>
+          <a:prstGeom prst="rect">
+            <a:avLst/>
+          </a:prstGeom>
+          <a:noFill/>
+        </p:spPr>
+        <p:txBody>
+          <a:bodyPr wrap="square" rtlCol="0">
+            <a:spAutoFit/>
+          </a:bodyPr>
+          <a:lstStyle/>
+          <a:p>
+            <a:r>
+              <a:rPr lang="en-US" dirty="0" smtClean="0"/>
+              <a:t>z1</a:t>
+            </a:r>
+            <a:endParaRPr lang="en-US" dirty="0"/>
+          </a:p>
+        </p:txBody>
+      </p:sp>
+      <p:sp>
+        <p:nvSpPr>
+          <p:cNvPr id="7" name="TextBox 6"/>
+          <p:cNvSpPr txBox="1"/>
+          <p:nvPr/>
+        </p:nvSpPr>
+        <p:spPr>
+          <a:xfrm>
+            <a:off x="5464352" y="3641747"/>
+            <a:ext cx="358815" cy="406205"/>
+          </a:xfrm>
+          <a:prstGeom prst="rect">
+            <a:avLst/>
+          </a:prstGeom>
+          <a:noFill/>
+        </p:spPr>
+        <p:txBody>
+          <a:bodyPr wrap="square" rtlCol="0">
+            <a:spAutoFit/>
+          </a:bodyPr>
+          <a:lstStyle/>
+          <a:p>
+            <a:r>
+              <a:rPr lang="en-US" dirty="0" smtClean="0"/>
+              <a:t>r</a:t>
+            </a:r>
+            <a:endParaRPr lang="en-US" dirty="0"/>
+          </a:p>
+        </p:txBody>
+      </p:sp>
+      <p:sp>
+        <p:nvSpPr>
+          <p:cNvPr id="8" name="TextBox 7"/>
+          <p:cNvSpPr txBox="1"/>
+          <p:nvPr/>
+        </p:nvSpPr>
+        <p:spPr>
+          <a:xfrm>
+            <a:off x="4693189" y="5493695"/>
+            <a:ext cx="771163" cy="406265"/>
+          </a:xfrm>
+          <a:prstGeom prst="rect">
+            <a:avLst/>
+          </a:prstGeom>
+          <a:noFill/>
+        </p:spPr>
+        <p:txBody>
+          <a:bodyPr wrap="square" rtlCol="0">
+            <a:spAutoFit/>
+          </a:bodyPr>
+          <a:lstStyle/>
+          <a:p>
+            <a:r>
+              <a:rPr lang="en-US" dirty="0" smtClean="0"/>
+              <a:t>C1</a:t>
+            </a:r>
+            <a:endParaRPr lang="en-US" dirty="0"/>
+          </a:p>
+        </p:txBody>
+      </p:sp>
+      <p:sp>
+        <p:nvSpPr>
+          <p:cNvPr id="9" name="TextBox 8"/>
+          <p:cNvSpPr txBox="1"/>
+          <p:nvPr/>
+        </p:nvSpPr>
+        <p:spPr>
+          <a:xfrm>
+            <a:off x="7316302" y="3216958"/>
+            <a:ext cx="2743200" cy="923330"/>
+          </a:xfrm>
+          <a:prstGeom prst="rect">
+            <a:avLst/>
+          </a:prstGeom>
+        </p:spPr>
+        <p:style>
+          <a:lnRef idx="2">
+            <a:schemeClr val="dk1"/>
+          </a:lnRef>
+          <a:fillRef idx="1">
+            <a:schemeClr val="lt1"/>
+          </a:fillRef>
+          <a:effectRef idx="0">
+            <a:schemeClr val="dk1"/>
+          </a:effectRef>
+          <a:fontRef idx="minor">
+            <a:schemeClr val="dk1"/>
+          </a:fontRef>
+        </p:style>
+        <p:txBody>
+          <a:bodyPr wrap="square" rtlCol="0">
+            <a:spAutoFit/>
+          </a:bodyPr>
+          <a:lstStyle/>
+          <a:p>
+            <a:r>
+              <a:rPr lang="en-US" dirty="0" smtClean="0"/>
+              <a:t>z1 is point where data is collected by source. (Same as </a:t>
+            </a:r>
+            <a:r>
+              <a:rPr lang="en-US" b="1" dirty="0" smtClean="0">
+                <a:solidFill>
+                  <a:srgbClr val="FF0000"/>
+                </a:solidFill>
+              </a:rPr>
+              <a:t>X,Y</a:t>
+            </a:r>
+            <a:r>
+              <a:rPr lang="en-US" dirty="0" smtClean="0"/>
+              <a:t> in previous slide)</a:t>
+            </a:r>
+            <a:endParaRPr lang="en-US" dirty="0"/>
+          </a:p>
+        </p:txBody>
+      </p:sp>
+    </p:spTree>
+    <p:extLst>
+      <p:ext uri="{BB962C8B-B14F-4D97-AF65-F5344CB8AC3E}">
+        <p14:creationId xmlns:p14="http://schemas.microsoft.com/office/powerpoint/2010/main" val="1340865095"/>
+      </p:ext>
+    </p:extLst>
+  </p:cSld>
+  <p:clrMapOvr>
+    <a:masterClrMapping/>
+  </p:clrMapOvr>
+  <p:timing>
+    <p:tnLst>
+      <p:par>
+        <p:cTn id="1" dur="indefinite" restart="never" nodeType="tmRoot"/>
+      </p:par>
+    </p:tnLst>
+  </p:timing>
+</p:sld>
+</file>
+
+<file path=ppt/slides/slide21.xml><?xml version="1.0" encoding="utf-8"?>
+<p:sld xmlns:a="http://schemas.openxmlformats.org/drawingml/2006/main" xmlns:r="http://schemas.openxmlformats.org/officeDocument/2006/relationships" xmlns:p="http://schemas.openxmlformats.org/presentationml/2006/main">
+  <p:cSld>
+    <p:spTree>
+      <p:nvGrpSpPr>
+        <p:cNvPr id="1" name=""/>
+        <p:cNvGrpSpPr/>
+        <p:nvPr/>
+      </p:nvGrpSpPr>
+      <p:grpSpPr>
+        <a:xfrm>
+          <a:off x="0" y="0"/>
+          <a:ext cx="0" cy="0"/>
+          <a:chOff x="0" y="0"/>
+          <a:chExt cx="0" cy="0"/>
+        </a:xfrm>
+      </p:grpSpPr>
+      <p:sp>
+        <p:nvSpPr>
+          <p:cNvPr id="2" name="Title 1"/>
+          <p:cNvSpPr>
+            <a:spLocks noGrp="1"/>
+          </p:cNvSpPr>
+          <p:nvPr>
+            <p:ph type="title"/>
+          </p:nvPr>
+        </p:nvSpPr>
+        <p:spPr>
+          <a:xfrm>
             <a:off x="99644" y="54542"/>
             <a:ext cx="10515600" cy="1099457"/>
           </a:xfrm>
         </p:spPr>
         <p:txBody>
-          <a:bodyPr/>
+          <a:bodyPr>
+            <a:normAutofit/>
+          </a:bodyPr>
           <a:lstStyle/>
           <a:p>
             <a:r>
@@ -17414,7 +16917,7 @@
 </p:sld>
 </file>
 
-<file path=ppt/slides/slide26.xml><?xml version="1.0" encoding="utf-8"?>
+<file path=ppt/slides/slide22.xml><?xml version="1.0" encoding="utf-8"?>
 <p:sld xmlns:a="http://schemas.openxmlformats.org/drawingml/2006/main" xmlns:r="http://schemas.openxmlformats.org/officeDocument/2006/relationships" xmlns:p="http://schemas.openxmlformats.org/presentationml/2006/main">
   <p:cSld>
     <p:spTree>
@@ -19621,7 +19124,7 @@
 </p:sld>
 </file>
 
-<file path=ppt/slides/slide27.xml><?xml version="1.0" encoding="utf-8"?>
+<file path=ppt/slides/slide23.xml><?xml version="1.0" encoding="utf-8"?>
 <p:sld xmlns:a="http://schemas.openxmlformats.org/drawingml/2006/main" xmlns:r="http://schemas.openxmlformats.org/officeDocument/2006/relationships" xmlns:p="http://schemas.openxmlformats.org/presentationml/2006/main">
   <p:cSld>
     <p:spTree>
@@ -19766,7 +19269,7 @@
 </p:sld>
 </file>
 
-<file path=ppt/slides/slide28.xml><?xml version="1.0" encoding="utf-8"?>
+<file path=ppt/slides/slide24.xml><?xml version="1.0" encoding="utf-8"?>
 <p:sld xmlns:a="http://schemas.openxmlformats.org/drawingml/2006/main" xmlns:r="http://schemas.openxmlformats.org/officeDocument/2006/relationships" xmlns:p="http://schemas.openxmlformats.org/presentationml/2006/main">
   <p:cSld>
     <p:spTree>
@@ -21667,7 +21170,7 @@
 </p:sld>
 </file>
 
-<file path=ppt/slides/slide29.xml><?xml version="1.0" encoding="utf-8"?>
+<file path=ppt/slides/slide25.xml><?xml version="1.0" encoding="utf-8"?>
 <p:sld xmlns:a="http://schemas.openxmlformats.org/drawingml/2006/main" xmlns:r="http://schemas.openxmlformats.org/officeDocument/2006/relationships" xmlns:p="http://schemas.openxmlformats.org/presentationml/2006/main">
   <p:cSld>
     <p:spTree>
@@ -21888,6 +21391,573 @@
 </p:sld>
 </file>
 
+<file path=ppt/slides/slide26.xml><?xml version="1.0" encoding="utf-8"?>
+<p:sld xmlns:a="http://schemas.openxmlformats.org/drawingml/2006/main" xmlns:r="http://schemas.openxmlformats.org/officeDocument/2006/relationships" xmlns:p="http://schemas.openxmlformats.org/presentationml/2006/main">
+  <p:cSld>
+    <p:spTree>
+      <p:nvGrpSpPr>
+        <p:cNvPr id="1" name=""/>
+        <p:cNvGrpSpPr/>
+        <p:nvPr/>
+      </p:nvGrpSpPr>
+      <p:grpSpPr>
+        <a:xfrm>
+          <a:off x="0" y="0"/>
+          <a:ext cx="0" cy="0"/>
+          <a:chOff x="0" y="0"/>
+          <a:chExt cx="0" cy="0"/>
+        </a:xfrm>
+      </p:grpSpPr>
+      <p:sp>
+        <p:nvSpPr>
+          <p:cNvPr id="2" name="Title 1"/>
+          <p:cNvSpPr>
+            <a:spLocks noGrp="1"/>
+          </p:cNvSpPr>
+          <p:nvPr>
+            <p:ph type="title"/>
+          </p:nvPr>
+        </p:nvSpPr>
+        <p:spPr>
+          <a:xfrm>
+            <a:off x="555172" y="119742"/>
+            <a:ext cx="10515600" cy="1325563"/>
+          </a:xfrm>
+        </p:spPr>
+        <p:txBody>
+          <a:bodyPr/>
+          <a:lstStyle/>
+          <a:p>
+            <a:r>
+              <a:rPr lang="en-US" b="1" dirty="0" smtClean="0"/>
+              <a:t>Algorithm</a:t>
+            </a:r>
+            <a:endParaRPr lang="en-US" b="1" dirty="0"/>
+          </a:p>
+        </p:txBody>
+      </p:sp>
+      <p:pic>
+        <p:nvPicPr>
+          <p:cNvPr id="4" name="Content Placeholder 3"/>
+          <p:cNvPicPr>
+            <a:picLocks noGrp="1" noChangeAspect="1"/>
+          </p:cNvPicPr>
+          <p:nvPr>
+            <p:ph idx="1"/>
+          </p:nvPr>
+        </p:nvPicPr>
+        <p:blipFill>
+          <a:blip r:embed="rId2">
+            <a:extLst>
+              <a:ext uri="{28A0092B-C50C-407E-A947-70E740481C1C}">
+                <a14:useLocalDpi xmlns:a14="http://schemas.microsoft.com/office/drawing/2010/main" val="0"/>
+              </a:ext>
+            </a:extLst>
+          </a:blip>
+          <a:stretch>
+            <a:fillRect/>
+          </a:stretch>
+        </p:blipFill>
+        <p:spPr>
+          <a:xfrm>
+            <a:off x="2372002" y="1825625"/>
+            <a:ext cx="7447995" cy="4351338"/>
+          </a:xfrm>
+        </p:spPr>
+      </p:pic>
+    </p:spTree>
+    <p:extLst>
+      <p:ext uri="{BB962C8B-B14F-4D97-AF65-F5344CB8AC3E}">
+        <p14:creationId xmlns:p14="http://schemas.microsoft.com/office/powerpoint/2010/main" val="131866371"/>
+      </p:ext>
+    </p:extLst>
+  </p:cSld>
+  <p:clrMapOvr>
+    <a:masterClrMapping/>
+  </p:clrMapOvr>
+  <p:timing>
+    <p:tnLst>
+      <p:par>
+        <p:cTn id="1" dur="indefinite" restart="never" nodeType="tmRoot"/>
+      </p:par>
+    </p:tnLst>
+  </p:timing>
+</p:sld>
+</file>
+
+<file path=ppt/slides/slide27.xml><?xml version="1.0" encoding="utf-8"?>
+<p:sld xmlns:a="http://schemas.openxmlformats.org/drawingml/2006/main" xmlns:r="http://schemas.openxmlformats.org/officeDocument/2006/relationships" xmlns:p="http://schemas.openxmlformats.org/presentationml/2006/main">
+  <p:cSld>
+    <p:spTree>
+      <p:nvGrpSpPr>
+        <p:cNvPr id="1" name=""/>
+        <p:cNvGrpSpPr/>
+        <p:nvPr/>
+      </p:nvGrpSpPr>
+      <p:grpSpPr>
+        <a:xfrm>
+          <a:off x="0" y="0"/>
+          <a:ext cx="0" cy="0"/>
+          <a:chOff x="0" y="0"/>
+          <a:chExt cx="0" cy="0"/>
+        </a:xfrm>
+      </p:grpSpPr>
+      <p:sp>
+        <p:nvSpPr>
+          <p:cNvPr id="2" name="Title 1"/>
+          <p:cNvSpPr>
+            <a:spLocks noGrp="1"/>
+          </p:cNvSpPr>
+          <p:nvPr>
+            <p:ph type="title"/>
+          </p:nvPr>
+        </p:nvSpPr>
+        <p:spPr>
+          <a:xfrm>
+            <a:off x="402772" y="343354"/>
+            <a:ext cx="10515600" cy="810532"/>
+          </a:xfrm>
+        </p:spPr>
+        <p:txBody>
+          <a:bodyPr>
+            <a:normAutofit/>
+          </a:bodyPr>
+          <a:lstStyle/>
+          <a:p>
+            <a:r>
+              <a:rPr lang="en-US" b="1" dirty="0" smtClean="0"/>
+              <a:t>Simulations</a:t>
+            </a:r>
+            <a:endParaRPr lang="en-US" b="1" dirty="0"/>
+          </a:p>
+        </p:txBody>
+      </p:sp>
+      <p:sp>
+        <p:nvSpPr>
+          <p:cNvPr id="3" name="Content Placeholder 2"/>
+          <p:cNvSpPr>
+            <a:spLocks noGrp="1"/>
+          </p:cNvSpPr>
+          <p:nvPr>
+            <p:ph idx="1"/>
+          </p:nvPr>
+        </p:nvSpPr>
+        <p:spPr>
+          <a:xfrm>
+            <a:off x="272143" y="1513114"/>
+            <a:ext cx="11364686" cy="4963885"/>
+          </a:xfrm>
+        </p:spPr>
+        <p:txBody>
+          <a:bodyPr/>
+          <a:lstStyle/>
+          <a:p>
+            <a:pPr>
+              <a:buFont typeface="Wingdings" charset="2"/>
+              <a:buChar char="Ø"/>
+            </a:pPr>
+            <a:r>
+              <a:rPr lang="en-US" b="1" dirty="0" smtClean="0"/>
+              <a:t>SUMO- Simulation of Urban Mobility	</a:t>
+            </a:r>
+          </a:p>
+          <a:p>
+            <a:pPr lvl="1">
+              <a:buFont typeface="Arial" charset="0"/>
+              <a:buChar char="•"/>
+            </a:pPr>
+            <a:r>
+              <a:rPr lang="en-US" dirty="0" smtClean="0"/>
+              <a:t>Used for Vehicle simulations</a:t>
+            </a:r>
+          </a:p>
+          <a:p>
+            <a:pPr lvl="1">
+              <a:buFont typeface="Arial" charset="0"/>
+              <a:buChar char="•"/>
+            </a:pPr>
+            <a:endParaRPr lang="en-US" dirty="0" smtClean="0"/>
+          </a:p>
+          <a:p>
+            <a:pPr>
+              <a:buFont typeface="Wingdings" charset="2"/>
+              <a:buChar char="Ø"/>
+            </a:pPr>
+            <a:r>
+              <a:rPr lang="en-US" b="1" dirty="0" err="1" smtClean="0"/>
+              <a:t>OMNeT</a:t>
+            </a:r>
+            <a:r>
+              <a:rPr lang="en-US" b="1" dirty="0" smtClean="0"/>
+              <a:t>++</a:t>
+            </a:r>
+          </a:p>
+          <a:p>
+            <a:pPr lvl="1">
+              <a:buFont typeface="Arial" charset="0"/>
+              <a:buChar char="•"/>
+            </a:pPr>
+            <a:r>
+              <a:rPr lang="en-US" dirty="0" smtClean="0"/>
+              <a:t>Used for network simulations</a:t>
+            </a:r>
+          </a:p>
+          <a:p>
+            <a:pPr lvl="1">
+              <a:buFont typeface="Arial" charset="0"/>
+              <a:buChar char="•"/>
+            </a:pPr>
+            <a:endParaRPr lang="en-US" dirty="0" smtClean="0"/>
+          </a:p>
+          <a:p>
+            <a:pPr>
+              <a:buFont typeface="Wingdings" charset="2"/>
+              <a:buChar char="Ø"/>
+            </a:pPr>
+            <a:r>
+              <a:rPr lang="en-US" b="1" dirty="0" smtClean="0"/>
+              <a:t>Veins</a:t>
+            </a:r>
+          </a:p>
+          <a:p>
+            <a:pPr lvl="1">
+              <a:buFont typeface="Arial" charset="0"/>
+              <a:buChar char="•"/>
+            </a:pPr>
+            <a:r>
+              <a:rPr lang="en-US" dirty="0"/>
+              <a:t>F</a:t>
+            </a:r>
+            <a:r>
+              <a:rPr lang="en-US" dirty="0" smtClean="0"/>
+              <a:t>ramework which interacts with SUMO and </a:t>
+            </a:r>
+            <a:r>
+              <a:rPr lang="en-US" dirty="0" err="1" smtClean="0"/>
+              <a:t>OMNeT</a:t>
+            </a:r>
+            <a:r>
+              <a:rPr lang="en-US" dirty="0" smtClean="0"/>
+              <a:t>++. </a:t>
+            </a:r>
+          </a:p>
+          <a:p>
+            <a:pPr lvl="1">
+              <a:buFont typeface="Arial" charset="0"/>
+              <a:buChar char="•"/>
+            </a:pPr>
+            <a:r>
+              <a:rPr lang="en-US" dirty="0" smtClean="0"/>
+              <a:t>As vehicles </a:t>
+            </a:r>
+            <a:r>
+              <a:rPr lang="en-US" dirty="0"/>
+              <a:t>move in </a:t>
+            </a:r>
+            <a:r>
+              <a:rPr lang="en-US" dirty="0" smtClean="0"/>
+              <a:t>SUMO, </a:t>
+            </a:r>
+            <a:r>
+              <a:rPr lang="en-US" dirty="0"/>
+              <a:t>updates of their positions are made </a:t>
+            </a:r>
+            <a:r>
+              <a:rPr lang="en-US" dirty="0" smtClean="0"/>
+              <a:t>in </a:t>
+            </a:r>
+            <a:r>
+              <a:rPr lang="en-US" dirty="0" err="1"/>
+              <a:t>OMNet</a:t>
+            </a:r>
+            <a:r>
+              <a:rPr lang="en-US" dirty="0"/>
+              <a:t>++ simulator as movement of </a:t>
+            </a:r>
+            <a:r>
+              <a:rPr lang="en-US" dirty="0" smtClean="0"/>
+              <a:t>nodes</a:t>
+            </a:r>
+            <a:r>
+              <a:rPr lang="en-US" dirty="0"/>
+              <a:t> </a:t>
+            </a:r>
+            <a:r>
+              <a:rPr lang="en-US" dirty="0" smtClean="0"/>
+              <a:t>with help of Veins.</a:t>
+            </a:r>
+          </a:p>
+          <a:p>
+            <a:pPr lvl="1">
+              <a:buFont typeface="Wingdings" charset="2"/>
+              <a:buChar char="Ø"/>
+            </a:pPr>
+            <a:endParaRPr lang="en-US" dirty="0"/>
+          </a:p>
+        </p:txBody>
+      </p:sp>
+    </p:spTree>
+    <p:extLst>
+      <p:ext uri="{BB962C8B-B14F-4D97-AF65-F5344CB8AC3E}">
+        <p14:creationId xmlns:p14="http://schemas.microsoft.com/office/powerpoint/2010/main" val="48505071"/>
+      </p:ext>
+    </p:extLst>
+  </p:cSld>
+  <p:clrMapOvr>
+    <a:masterClrMapping/>
+  </p:clrMapOvr>
+  <p:timing>
+    <p:tnLst>
+      <p:par>
+        <p:cTn id="1" dur="indefinite" restart="never" nodeType="tmRoot"/>
+      </p:par>
+    </p:tnLst>
+  </p:timing>
+</p:sld>
+</file>
+
+<file path=ppt/slides/slide28.xml><?xml version="1.0" encoding="utf-8"?>
+<p:sld xmlns:a="http://schemas.openxmlformats.org/drawingml/2006/main" xmlns:r="http://schemas.openxmlformats.org/officeDocument/2006/relationships" xmlns:p="http://schemas.openxmlformats.org/presentationml/2006/main">
+  <p:cSld>
+    <p:spTree>
+      <p:nvGrpSpPr>
+        <p:cNvPr id="1" name=""/>
+        <p:cNvGrpSpPr/>
+        <p:nvPr/>
+      </p:nvGrpSpPr>
+      <p:grpSpPr>
+        <a:xfrm>
+          <a:off x="0" y="0"/>
+          <a:ext cx="0" cy="0"/>
+          <a:chOff x="0" y="0"/>
+          <a:chExt cx="0" cy="0"/>
+        </a:xfrm>
+      </p:grpSpPr>
+      <p:sp>
+        <p:nvSpPr>
+          <p:cNvPr id="2" name="Title 1"/>
+          <p:cNvSpPr>
+            <a:spLocks noGrp="1"/>
+          </p:cNvSpPr>
+          <p:nvPr>
+            <p:ph type="title"/>
+          </p:nvPr>
+        </p:nvSpPr>
+        <p:spPr>
+          <a:xfrm>
+            <a:off x="185057" y="114753"/>
+            <a:ext cx="10515600" cy="1325563"/>
+          </a:xfrm>
+        </p:spPr>
+        <p:txBody>
+          <a:bodyPr/>
+          <a:lstStyle/>
+          <a:p>
+            <a:r>
+              <a:rPr lang="en-US" b="1" dirty="0" smtClean="0"/>
+              <a:t>Simulation </a:t>
+            </a:r>
+            <a:r>
+              <a:rPr lang="en-US" b="1" dirty="0" smtClean="0"/>
+              <a:t>Demo. </a:t>
+            </a:r>
+            <a:endParaRPr lang="en-US" b="1" dirty="0"/>
+          </a:p>
+        </p:txBody>
+      </p:sp>
+      <p:pic>
+        <p:nvPicPr>
+          <p:cNvPr id="4" name="Content Placeholder 3"/>
+          <p:cNvPicPr>
+            <a:picLocks noGrp="1" noChangeAspect="1"/>
+          </p:cNvPicPr>
+          <p:nvPr>
+            <p:ph idx="1"/>
+          </p:nvPr>
+        </p:nvPicPr>
+        <p:blipFill>
+          <a:blip r:embed="rId2">
+            <a:extLst>
+              <a:ext uri="{28A0092B-C50C-407E-A947-70E740481C1C}">
+                <a14:useLocalDpi xmlns:a14="http://schemas.microsoft.com/office/drawing/2010/main" val="0"/>
+              </a:ext>
+            </a:extLst>
+          </a:blip>
+          <a:stretch>
+            <a:fillRect/>
+          </a:stretch>
+        </p:blipFill>
+        <p:spPr>
+          <a:xfrm>
+            <a:off x="4423837" y="877895"/>
+            <a:ext cx="7768163" cy="5511754"/>
+          </a:xfrm>
+        </p:spPr>
+      </p:pic>
+      <p:sp>
+        <p:nvSpPr>
+          <p:cNvPr id="3" name="TextBox 2"/>
+          <p:cNvSpPr txBox="1"/>
+          <p:nvPr/>
+        </p:nvSpPr>
+        <p:spPr>
+          <a:xfrm>
+            <a:off x="423747" y="2798957"/>
+            <a:ext cx="3512634" cy="646331"/>
+          </a:xfrm>
+          <a:prstGeom prst="rect">
+            <a:avLst/>
+          </a:prstGeom>
+          <a:noFill/>
+        </p:spPr>
+        <p:txBody>
+          <a:bodyPr wrap="square" rtlCol="0">
+            <a:spAutoFit/>
+          </a:bodyPr>
+          <a:lstStyle/>
+          <a:p>
+            <a:endParaRPr lang="en-US" smtClean="0">
+              <a:hlinkClick r:id="rId3"/>
+            </a:endParaRPr>
+          </a:p>
+          <a:p>
+            <a:r>
+              <a:rPr lang="en-US" dirty="0" smtClean="0">
+                <a:hlinkClick r:id="rId3"/>
+              </a:rPr>
+              <a:t>https</a:t>
+            </a:r>
+            <a:r>
+              <a:rPr lang="en-US" dirty="0">
+                <a:hlinkClick r:id="rId3"/>
+              </a:rPr>
+              <a:t>://youtu.be/Op6U0A4pfgg</a:t>
+            </a:r>
+            <a:endParaRPr lang="en-US" dirty="0"/>
+          </a:p>
+        </p:txBody>
+      </p:sp>
+      <p:sp>
+        <p:nvSpPr>
+          <p:cNvPr id="5" name="TextBox 4"/>
+          <p:cNvSpPr txBox="1"/>
+          <p:nvPr/>
+        </p:nvSpPr>
+        <p:spPr>
+          <a:xfrm>
+            <a:off x="386437" y="2752790"/>
+            <a:ext cx="3836020" cy="369332"/>
+          </a:xfrm>
+          <a:prstGeom prst="rect">
+            <a:avLst/>
+          </a:prstGeom>
+          <a:noFill/>
+        </p:spPr>
+        <p:txBody>
+          <a:bodyPr wrap="square" rtlCol="0">
+            <a:spAutoFit/>
+          </a:bodyPr>
+          <a:lstStyle/>
+          <a:p>
+            <a:r>
+              <a:rPr lang="en-US" dirty="0" err="1" smtClean="0"/>
+              <a:t>Youtube</a:t>
+            </a:r>
+            <a:r>
+              <a:rPr lang="en-US" dirty="0" smtClean="0"/>
+              <a:t> link-</a:t>
+            </a:r>
+            <a:endParaRPr lang="en-US" dirty="0"/>
+          </a:p>
+        </p:txBody>
+      </p:sp>
+    </p:spTree>
+    <p:extLst>
+      <p:ext uri="{BB962C8B-B14F-4D97-AF65-F5344CB8AC3E}">
+        <p14:creationId xmlns:p14="http://schemas.microsoft.com/office/powerpoint/2010/main" val="704894380"/>
+      </p:ext>
+    </p:extLst>
+  </p:cSld>
+  <p:clrMapOvr>
+    <a:masterClrMapping/>
+  </p:clrMapOvr>
+  <p:timing>
+    <p:tnLst>
+      <p:par>
+        <p:cTn id="1" dur="indefinite" restart="never" nodeType="tmRoot"/>
+      </p:par>
+    </p:tnLst>
+  </p:timing>
+</p:sld>
+</file>
+
+<file path=ppt/slides/slide29.xml><?xml version="1.0" encoding="utf-8"?>
+<p:sld xmlns:a="http://schemas.openxmlformats.org/drawingml/2006/main" xmlns:r="http://schemas.openxmlformats.org/officeDocument/2006/relationships" xmlns:p="http://schemas.openxmlformats.org/presentationml/2006/main">
+  <p:cSld>
+    <p:spTree>
+      <p:nvGrpSpPr>
+        <p:cNvPr id="1" name=""/>
+        <p:cNvGrpSpPr/>
+        <p:nvPr/>
+      </p:nvGrpSpPr>
+      <p:grpSpPr>
+        <a:xfrm>
+          <a:off x="0" y="0"/>
+          <a:ext cx="0" cy="0"/>
+          <a:chOff x="0" y="0"/>
+          <a:chExt cx="0" cy="0"/>
+        </a:xfrm>
+      </p:grpSpPr>
+      <p:sp>
+        <p:nvSpPr>
+          <p:cNvPr id="2" name="Title 1"/>
+          <p:cNvSpPr>
+            <a:spLocks noGrp="1"/>
+          </p:cNvSpPr>
+          <p:nvPr>
+            <p:ph type="title"/>
+          </p:nvPr>
+        </p:nvSpPr>
+        <p:spPr>
+          <a:xfrm>
+            <a:off x="3864429" y="2476953"/>
+            <a:ext cx="8001000" cy="1325563"/>
+          </a:xfrm>
+        </p:spPr>
+        <p:txBody>
+          <a:bodyPr>
+            <a:normAutofit/>
+          </a:bodyPr>
+          <a:lstStyle/>
+          <a:p>
+            <a:r>
+              <a:rPr lang="en-US" sz="5400" b="1" dirty="0" smtClean="0"/>
+              <a:t>Initial Results</a:t>
+            </a:r>
+            <a:endParaRPr lang="en-US" sz="5400" b="1" dirty="0"/>
+          </a:p>
+        </p:txBody>
+      </p:sp>
+    </p:spTree>
+    <p:extLst>
+      <p:ext uri="{BB962C8B-B14F-4D97-AF65-F5344CB8AC3E}">
+        <p14:creationId xmlns:p14="http://schemas.microsoft.com/office/powerpoint/2010/main" val="224642583"/>
+      </p:ext>
+    </p:extLst>
+  </p:cSld>
+  <p:clrMapOvr>
+    <a:masterClrMapping/>
+  </p:clrMapOvr>
+  <p:timing>
+    <p:tnLst>
+      <p:par>
+        <p:cTn id="1" dur="indefinite" restart="never" nodeType="tmRoot"/>
+      </p:par>
+    </p:tnLst>
+  </p:timing>
+</p:sld>
+</file>
+
 <file path=ppt/slides/slide3.xml><?xml version="1.0" encoding="utf-8"?>
 <p:sld xmlns:a="http://schemas.openxmlformats.org/drawingml/2006/main" xmlns:r="http://schemas.openxmlformats.org/officeDocument/2006/relationships" xmlns:p="http://schemas.openxmlformats.org/presentationml/2006/main">
   <p:cSld>
@@ -23245,7 +23315,7 @@
         </p:nvSpPr>
         <p:spPr>
           <a:xfrm>
-            <a:off x="555172" y="119742"/>
+            <a:off x="141514" y="147411"/>
             <a:ext cx="10515600" cy="1325563"/>
           </a:xfrm>
         </p:spPr>
@@ -23255,7 +23325,7 @@
           <a:p>
             <a:r>
               <a:rPr lang="en-US" b="1" dirty="0" smtClean="0"/>
-              <a:t>Algorithm</a:t>
+              <a:t>Sent and Received Messages</a:t>
             </a:r>
             <a:endParaRPr lang="en-US" b="1" dirty="0"/>
           </a:p>
@@ -23285,492 +23355,8 @@
         </p:blipFill>
         <p:spPr>
           <a:xfrm>
-            <a:off x="1219200" y="1152124"/>
-            <a:ext cx="9699171" cy="5666541"/>
-          </a:xfrm>
-        </p:spPr>
-      </p:pic>
-    </p:spTree>
-    <p:extLst>
-      <p:ext uri="{BB962C8B-B14F-4D97-AF65-F5344CB8AC3E}">
-        <p14:creationId xmlns:p14="http://schemas.microsoft.com/office/powerpoint/2010/main" val="131866371"/>
-      </p:ext>
-    </p:extLst>
-  </p:cSld>
-  <p:clrMapOvr>
-    <a:masterClrMapping/>
-  </p:clrMapOvr>
-  <p:timing>
-    <p:tnLst>
-      <p:par>
-        <p:cTn id="1" dur="indefinite" restart="never" nodeType="tmRoot"/>
-      </p:par>
-    </p:tnLst>
-  </p:timing>
-</p:sld>
-</file>
-
-<file path=ppt/slides/slide31.xml><?xml version="1.0" encoding="utf-8"?>
-<p:sld xmlns:a="http://schemas.openxmlformats.org/drawingml/2006/main" xmlns:r="http://schemas.openxmlformats.org/officeDocument/2006/relationships" xmlns:p="http://schemas.openxmlformats.org/presentationml/2006/main">
-  <p:cSld>
-    <p:spTree>
-      <p:nvGrpSpPr>
-        <p:cNvPr id="1" name=""/>
-        <p:cNvGrpSpPr/>
-        <p:nvPr/>
-      </p:nvGrpSpPr>
-      <p:grpSpPr>
-        <a:xfrm>
-          <a:off x="0" y="0"/>
-          <a:ext cx="0" cy="0"/>
-          <a:chOff x="0" y="0"/>
-          <a:chExt cx="0" cy="0"/>
-        </a:xfrm>
-      </p:grpSpPr>
-      <p:sp>
-        <p:nvSpPr>
-          <p:cNvPr id="2" name="Title 1"/>
-          <p:cNvSpPr>
-            <a:spLocks noGrp="1"/>
-          </p:cNvSpPr>
-          <p:nvPr>
-            <p:ph type="title"/>
-          </p:nvPr>
-        </p:nvSpPr>
-        <p:spPr>
-          <a:xfrm>
-            <a:off x="402772" y="343354"/>
-            <a:ext cx="10515600" cy="810532"/>
-          </a:xfrm>
-        </p:spPr>
-        <p:txBody>
-          <a:bodyPr/>
-          <a:lstStyle/>
-          <a:p>
-            <a:r>
-              <a:rPr lang="en-US" b="1" dirty="0" smtClean="0"/>
-              <a:t>Simulations</a:t>
-            </a:r>
-            <a:endParaRPr lang="en-US" b="1" dirty="0"/>
-          </a:p>
-        </p:txBody>
-      </p:sp>
-      <p:sp>
-        <p:nvSpPr>
-          <p:cNvPr id="3" name="Content Placeholder 2"/>
-          <p:cNvSpPr>
-            <a:spLocks noGrp="1"/>
-          </p:cNvSpPr>
-          <p:nvPr>
-            <p:ph idx="1"/>
-          </p:nvPr>
-        </p:nvSpPr>
-        <p:spPr>
-          <a:xfrm>
-            <a:off x="272143" y="1513114"/>
-            <a:ext cx="11364686" cy="4963885"/>
-          </a:xfrm>
-        </p:spPr>
-        <p:txBody>
-          <a:bodyPr/>
-          <a:lstStyle/>
-          <a:p>
-            <a:pPr>
-              <a:buFont typeface="Wingdings" charset="2"/>
-              <a:buChar char="Ø"/>
-            </a:pPr>
-            <a:r>
-              <a:rPr lang="en-US" b="1" dirty="0" smtClean="0"/>
-              <a:t>SUMO- Simulation of Urban Mobility	</a:t>
-            </a:r>
-          </a:p>
-          <a:p>
-            <a:pPr lvl="1">
-              <a:buFont typeface="Arial" charset="0"/>
-              <a:buChar char="•"/>
-            </a:pPr>
-            <a:r>
-              <a:rPr lang="en-US" dirty="0" smtClean="0"/>
-              <a:t>Used for Vehicle simulations</a:t>
-            </a:r>
-          </a:p>
-          <a:p>
-            <a:pPr lvl="1">
-              <a:buFont typeface="Arial" charset="0"/>
-              <a:buChar char="•"/>
-            </a:pPr>
-            <a:endParaRPr lang="en-US" dirty="0" smtClean="0"/>
-          </a:p>
-          <a:p>
-            <a:pPr>
-              <a:buFont typeface="Wingdings" charset="2"/>
-              <a:buChar char="Ø"/>
-            </a:pPr>
-            <a:r>
-              <a:rPr lang="en-US" b="1" dirty="0" err="1" smtClean="0"/>
-              <a:t>OMNeT</a:t>
-            </a:r>
-            <a:r>
-              <a:rPr lang="en-US" b="1" dirty="0" smtClean="0"/>
-              <a:t>++</a:t>
-            </a:r>
-          </a:p>
-          <a:p>
-            <a:pPr lvl="1">
-              <a:buFont typeface="Arial" charset="0"/>
-              <a:buChar char="•"/>
-            </a:pPr>
-            <a:r>
-              <a:rPr lang="en-US" dirty="0" smtClean="0"/>
-              <a:t>Used for network simulations</a:t>
-            </a:r>
-          </a:p>
-          <a:p>
-            <a:pPr lvl="1">
-              <a:buFont typeface="Arial" charset="0"/>
-              <a:buChar char="•"/>
-            </a:pPr>
-            <a:endParaRPr lang="en-US" dirty="0" smtClean="0"/>
-          </a:p>
-          <a:p>
-            <a:pPr>
-              <a:buFont typeface="Wingdings" charset="2"/>
-              <a:buChar char="Ø"/>
-            </a:pPr>
-            <a:r>
-              <a:rPr lang="en-US" b="1" dirty="0" smtClean="0"/>
-              <a:t>Veins</a:t>
-            </a:r>
-          </a:p>
-          <a:p>
-            <a:pPr lvl="1">
-              <a:buFont typeface="Arial" charset="0"/>
-              <a:buChar char="•"/>
-            </a:pPr>
-            <a:r>
-              <a:rPr lang="en-US" dirty="0"/>
-              <a:t>F</a:t>
-            </a:r>
-            <a:r>
-              <a:rPr lang="en-US" dirty="0" smtClean="0"/>
-              <a:t>ramework which interacts with SUMO and </a:t>
-            </a:r>
-            <a:r>
-              <a:rPr lang="en-US" dirty="0" err="1" smtClean="0"/>
-              <a:t>OMNeT</a:t>
-            </a:r>
-            <a:r>
-              <a:rPr lang="en-US" dirty="0" smtClean="0"/>
-              <a:t>++. </a:t>
-            </a:r>
-          </a:p>
-          <a:p>
-            <a:pPr lvl="1">
-              <a:buFont typeface="Arial" charset="0"/>
-              <a:buChar char="•"/>
-            </a:pPr>
-            <a:r>
-              <a:rPr lang="en-US" dirty="0" smtClean="0"/>
-              <a:t>As vehicles </a:t>
-            </a:r>
-            <a:r>
-              <a:rPr lang="en-US" dirty="0"/>
-              <a:t>move in </a:t>
-            </a:r>
-            <a:r>
-              <a:rPr lang="en-US" dirty="0" smtClean="0"/>
-              <a:t>SUMO, </a:t>
-            </a:r>
-            <a:r>
-              <a:rPr lang="en-US" dirty="0"/>
-              <a:t>updates of their positions are made </a:t>
-            </a:r>
-            <a:r>
-              <a:rPr lang="en-US" dirty="0" smtClean="0"/>
-              <a:t>in </a:t>
-            </a:r>
-            <a:r>
-              <a:rPr lang="en-US" dirty="0" err="1"/>
-              <a:t>OMNet</a:t>
-            </a:r>
-            <a:r>
-              <a:rPr lang="en-US" dirty="0"/>
-              <a:t>++ simulator as movement of </a:t>
-            </a:r>
-            <a:r>
-              <a:rPr lang="en-US" dirty="0" smtClean="0"/>
-              <a:t>nodes</a:t>
-            </a:r>
-            <a:r>
-              <a:rPr lang="en-US" dirty="0"/>
-              <a:t> </a:t>
-            </a:r>
-            <a:r>
-              <a:rPr lang="en-US" dirty="0" smtClean="0"/>
-              <a:t>with help of Veins.</a:t>
-            </a:r>
-          </a:p>
-          <a:p>
-            <a:pPr lvl="1">
-              <a:buFont typeface="Wingdings" charset="2"/>
-              <a:buChar char="Ø"/>
-            </a:pPr>
-            <a:endParaRPr lang="en-US" dirty="0"/>
-          </a:p>
-        </p:txBody>
-      </p:sp>
-    </p:spTree>
-    <p:extLst>
-      <p:ext uri="{BB962C8B-B14F-4D97-AF65-F5344CB8AC3E}">
-        <p14:creationId xmlns:p14="http://schemas.microsoft.com/office/powerpoint/2010/main" val="48505071"/>
-      </p:ext>
-    </p:extLst>
-  </p:cSld>
-  <p:clrMapOvr>
-    <a:masterClrMapping/>
-  </p:clrMapOvr>
-  <p:timing>
-    <p:tnLst>
-      <p:par>
-        <p:cTn id="1" dur="indefinite" restart="never" nodeType="tmRoot"/>
-      </p:par>
-    </p:tnLst>
-  </p:timing>
-</p:sld>
-</file>
-
-<file path=ppt/slides/slide32.xml><?xml version="1.0" encoding="utf-8"?>
-<p:sld xmlns:a="http://schemas.openxmlformats.org/drawingml/2006/main" xmlns:r="http://schemas.openxmlformats.org/officeDocument/2006/relationships" xmlns:p="http://schemas.openxmlformats.org/presentationml/2006/main">
-  <p:cSld>
-    <p:spTree>
-      <p:nvGrpSpPr>
-        <p:cNvPr id="1" name=""/>
-        <p:cNvGrpSpPr/>
-        <p:nvPr/>
-      </p:nvGrpSpPr>
-      <p:grpSpPr>
-        <a:xfrm>
-          <a:off x="0" y="0"/>
-          <a:ext cx="0" cy="0"/>
-          <a:chOff x="0" y="0"/>
-          <a:chExt cx="0" cy="0"/>
-        </a:xfrm>
-      </p:grpSpPr>
-      <p:sp>
-        <p:nvSpPr>
-          <p:cNvPr id="2" name="Title 1"/>
-          <p:cNvSpPr>
-            <a:spLocks noGrp="1"/>
-          </p:cNvSpPr>
-          <p:nvPr>
-            <p:ph type="title"/>
-          </p:nvPr>
-        </p:nvSpPr>
-        <p:spPr>
-          <a:xfrm>
-            <a:off x="185057" y="114753"/>
-            <a:ext cx="10515600" cy="1325563"/>
-          </a:xfrm>
-        </p:spPr>
-        <p:txBody>
-          <a:bodyPr/>
-          <a:lstStyle/>
-          <a:p>
-            <a:r>
-              <a:rPr lang="en-US" b="1" dirty="0" smtClean="0"/>
-              <a:t>Simulation Demo</a:t>
-            </a:r>
-            <a:endParaRPr lang="en-US" b="1" dirty="0"/>
-          </a:p>
-        </p:txBody>
-      </p:sp>
-      <p:pic>
-        <p:nvPicPr>
-          <p:cNvPr id="4" name="Content Placeholder 3"/>
-          <p:cNvPicPr>
-            <a:picLocks noGrp="1" noChangeAspect="1"/>
-          </p:cNvPicPr>
-          <p:nvPr>
-            <p:ph idx="1"/>
-          </p:nvPr>
-        </p:nvPicPr>
-        <p:blipFill>
-          <a:blip r:embed="rId2">
-            <a:extLst>
-              <a:ext uri="{28A0092B-C50C-407E-A947-70E740481C1C}">
-                <a14:useLocalDpi xmlns:a14="http://schemas.microsoft.com/office/drawing/2010/main" val="0"/>
-              </a:ext>
-            </a:extLst>
-          </a:blip>
-          <a:stretch>
-            <a:fillRect/>
-          </a:stretch>
-        </p:blipFill>
-        <p:spPr>
-          <a:xfrm>
-            <a:off x="2122714" y="1040610"/>
-            <a:ext cx="8251372" cy="5854606"/>
-          </a:xfrm>
-        </p:spPr>
-      </p:pic>
-    </p:spTree>
-    <p:extLst>
-      <p:ext uri="{BB962C8B-B14F-4D97-AF65-F5344CB8AC3E}">
-        <p14:creationId xmlns:p14="http://schemas.microsoft.com/office/powerpoint/2010/main" val="704894380"/>
-      </p:ext>
-    </p:extLst>
-  </p:cSld>
-  <p:clrMapOvr>
-    <a:masterClrMapping/>
-  </p:clrMapOvr>
-  <p:timing>
-    <p:tnLst>
-      <p:par>
-        <p:cTn id="1" dur="indefinite" restart="never" nodeType="tmRoot"/>
-      </p:par>
-    </p:tnLst>
-  </p:timing>
-</p:sld>
-</file>
-
-<file path=ppt/slides/slide33.xml><?xml version="1.0" encoding="utf-8"?>
-<p:sld xmlns:a="http://schemas.openxmlformats.org/drawingml/2006/main" xmlns:r="http://schemas.openxmlformats.org/officeDocument/2006/relationships" xmlns:p="http://schemas.openxmlformats.org/presentationml/2006/main">
-  <p:cSld>
-    <p:spTree>
-      <p:nvGrpSpPr>
-        <p:cNvPr id="1" name=""/>
-        <p:cNvGrpSpPr/>
-        <p:nvPr/>
-      </p:nvGrpSpPr>
-      <p:grpSpPr>
-        <a:xfrm>
-          <a:off x="0" y="0"/>
-          <a:ext cx="0" cy="0"/>
-          <a:chOff x="0" y="0"/>
-          <a:chExt cx="0" cy="0"/>
-        </a:xfrm>
-      </p:grpSpPr>
-      <p:sp>
-        <p:nvSpPr>
-          <p:cNvPr id="2" name="Title 1"/>
-          <p:cNvSpPr>
-            <a:spLocks noGrp="1"/>
-          </p:cNvSpPr>
-          <p:nvPr>
-            <p:ph type="title"/>
-          </p:nvPr>
-        </p:nvSpPr>
-        <p:spPr>
-          <a:xfrm>
-            <a:off x="3864429" y="2476953"/>
-            <a:ext cx="8001000" cy="1325563"/>
-          </a:xfrm>
-        </p:spPr>
-        <p:txBody>
-          <a:bodyPr>
-            <a:normAutofit/>
-          </a:bodyPr>
-          <a:lstStyle/>
-          <a:p>
-            <a:r>
-              <a:rPr lang="en-US" sz="5400" b="1" dirty="0" smtClean="0"/>
-              <a:t>Initial Results</a:t>
-            </a:r>
-            <a:endParaRPr lang="en-US" sz="5400" b="1" dirty="0"/>
-          </a:p>
-        </p:txBody>
-      </p:sp>
-    </p:spTree>
-    <p:extLst>
-      <p:ext uri="{BB962C8B-B14F-4D97-AF65-F5344CB8AC3E}">
-        <p14:creationId xmlns:p14="http://schemas.microsoft.com/office/powerpoint/2010/main" val="224642583"/>
-      </p:ext>
-    </p:extLst>
-  </p:cSld>
-  <p:clrMapOvr>
-    <a:masterClrMapping/>
-  </p:clrMapOvr>
-  <p:timing>
-    <p:tnLst>
-      <p:par>
-        <p:cTn id="1" dur="indefinite" restart="never" nodeType="tmRoot"/>
-      </p:par>
-    </p:tnLst>
-  </p:timing>
-</p:sld>
-</file>
-
-<file path=ppt/slides/slide34.xml><?xml version="1.0" encoding="utf-8"?>
-<p:sld xmlns:a="http://schemas.openxmlformats.org/drawingml/2006/main" xmlns:r="http://schemas.openxmlformats.org/officeDocument/2006/relationships" xmlns:p="http://schemas.openxmlformats.org/presentationml/2006/main">
-  <p:cSld>
-    <p:spTree>
-      <p:nvGrpSpPr>
-        <p:cNvPr id="1" name=""/>
-        <p:cNvGrpSpPr/>
-        <p:nvPr/>
-      </p:nvGrpSpPr>
-      <p:grpSpPr>
-        <a:xfrm>
-          <a:off x="0" y="0"/>
-          <a:ext cx="0" cy="0"/>
-          <a:chOff x="0" y="0"/>
-          <a:chExt cx="0" cy="0"/>
-        </a:xfrm>
-      </p:grpSpPr>
-      <p:sp>
-        <p:nvSpPr>
-          <p:cNvPr id="2" name="Title 1"/>
-          <p:cNvSpPr>
-            <a:spLocks noGrp="1"/>
-          </p:cNvSpPr>
-          <p:nvPr>
-            <p:ph type="title"/>
-          </p:nvPr>
-        </p:nvSpPr>
-        <p:spPr>
-          <a:xfrm>
-            <a:off x="141514" y="147411"/>
-            <a:ext cx="10515600" cy="1325563"/>
-          </a:xfrm>
-        </p:spPr>
-        <p:txBody>
-          <a:bodyPr/>
-          <a:lstStyle/>
-          <a:p>
-            <a:r>
-              <a:rPr lang="en-US" b="1" dirty="0" smtClean="0"/>
-              <a:t>Sent and Received Messages</a:t>
-            </a:r>
-            <a:endParaRPr lang="en-US" b="1" dirty="0"/>
-          </a:p>
-        </p:txBody>
-      </p:sp>
-      <p:pic>
-        <p:nvPicPr>
-          <p:cNvPr id="4" name="Content Placeholder 3"/>
-          <p:cNvPicPr>
-            <a:picLocks noGrp="1" noChangeAspect="1"/>
-          </p:cNvPicPr>
-          <p:nvPr>
-            <p:ph idx="1"/>
-          </p:nvPr>
-        </p:nvPicPr>
-        <p:blipFill>
-          <a:blip r:embed="rId2">
-            <a:extLst>
-              <a:ext uri="{28A0092B-C50C-407E-A947-70E740481C1C}">
-                <a14:useLocalDpi xmlns:a14="http://schemas.microsoft.com/office/drawing/2010/main" val="0"/>
-              </a:ext>
-            </a:extLst>
-          </a:blip>
-          <a:stretch>
-            <a:fillRect/>
-          </a:stretch>
-        </p:blipFill>
-        <p:spPr>
-          <a:xfrm>
-            <a:off x="255814" y="1673000"/>
-            <a:ext cx="11779250" cy="4916806"/>
+            <a:off x="883725" y="1825625"/>
+            <a:ext cx="10424550" cy="4351338"/>
           </a:xfrm>
         </p:spPr>
       </p:pic>
@@ -24054,7 +23640,7 @@
 </p:sld>
 </file>
 
-<file path=ppt/slides/slide35.xml><?xml version="1.0" encoding="utf-8"?>
+<file path=ppt/slides/slide31.xml><?xml version="1.0" encoding="utf-8"?>
 <p:sld xmlns:a="http://schemas.openxmlformats.org/drawingml/2006/main" xmlns:r="http://schemas.openxmlformats.org/officeDocument/2006/relationships" xmlns:p="http://schemas.openxmlformats.org/presentationml/2006/main">
   <p:cSld>
     <p:spTree>
@@ -24381,7 +23967,7 @@
 </p:sld>
 </file>
 
-<file path=ppt/slides/slide36.xml><?xml version="1.0" encoding="utf-8"?>
+<file path=ppt/slides/slide32.xml><?xml version="1.0" encoding="utf-8"?>
 <p:sld xmlns:a="http://schemas.openxmlformats.org/drawingml/2006/main" xmlns:r="http://schemas.openxmlformats.org/officeDocument/2006/relationships" xmlns:p="http://schemas.openxmlformats.org/presentationml/2006/main">
   <p:cSld>
     <p:spTree>
@@ -24600,7 +24186,100 @@
 </p:sld>
 </file>
 
-<file path=ppt/slides/slide37.xml><?xml version="1.0" encoding="utf-8"?>
+<file path=ppt/slides/slide33.xml><?xml version="1.0" encoding="utf-8"?>
+<p:sld xmlns:a="http://schemas.openxmlformats.org/drawingml/2006/main" xmlns:r="http://schemas.openxmlformats.org/officeDocument/2006/relationships" xmlns:p="http://schemas.openxmlformats.org/presentationml/2006/main">
+  <p:cSld>
+    <p:spTree>
+      <p:nvGrpSpPr>
+        <p:cNvPr id="1" name=""/>
+        <p:cNvGrpSpPr/>
+        <p:nvPr/>
+      </p:nvGrpSpPr>
+      <p:grpSpPr>
+        <a:xfrm>
+          <a:off x="0" y="0"/>
+          <a:ext cx="0" cy="0"/>
+          <a:chOff x="0" y="0"/>
+          <a:chExt cx="0" cy="0"/>
+        </a:xfrm>
+      </p:grpSpPr>
+      <p:sp>
+        <p:nvSpPr>
+          <p:cNvPr id="2" name="Title 1"/>
+          <p:cNvSpPr>
+            <a:spLocks noGrp="1"/>
+          </p:cNvSpPr>
+          <p:nvPr>
+            <p:ph type="title"/>
+          </p:nvPr>
+        </p:nvSpPr>
+        <p:spPr>
+          <a:xfrm>
+            <a:off x="838199" y="365125"/>
+            <a:ext cx="11127059" cy="1062231"/>
+          </a:xfrm>
+        </p:spPr>
+        <p:txBody>
+          <a:bodyPr>
+            <a:normAutofit/>
+          </a:bodyPr>
+          <a:lstStyle/>
+          <a:p>
+            <a:r>
+              <a:rPr lang="en-US" dirty="0" smtClean="0"/>
+              <a:t>Scenario after multiple uploads </a:t>
+            </a:r>
+            <a:r>
+              <a:rPr lang="en-US" smtClean="0"/>
+              <a:t>by same vehicle</a:t>
+            </a:r>
+            <a:endParaRPr lang="en-US"/>
+          </a:p>
+        </p:txBody>
+      </p:sp>
+      <p:pic>
+        <p:nvPicPr>
+          <p:cNvPr id="4" name="Content Placeholder 3"/>
+          <p:cNvPicPr>
+            <a:picLocks noGrp="1" noChangeAspect="1"/>
+          </p:cNvPicPr>
+          <p:nvPr>
+            <p:ph idx="1"/>
+          </p:nvPr>
+        </p:nvPicPr>
+        <p:blipFill>
+          <a:blip r:embed="rId2">
+            <a:extLst>
+              <a:ext uri="{28A0092B-C50C-407E-A947-70E740481C1C}">
+                <a14:useLocalDpi xmlns:a14="http://schemas.microsoft.com/office/drawing/2010/main" val="0"/>
+              </a:ext>
+            </a:extLst>
+          </a:blip>
+          <a:stretch>
+            <a:fillRect/>
+          </a:stretch>
+        </p:blipFill>
+        <p:spPr>
+          <a:xfrm>
+            <a:off x="2787805" y="1520148"/>
+            <a:ext cx="6209087" cy="4656815"/>
+          </a:xfrm>
+        </p:spPr>
+      </p:pic>
+    </p:spTree>
+    <p:extLst>
+      <p:ext uri="{BB962C8B-B14F-4D97-AF65-F5344CB8AC3E}">
+        <p14:creationId xmlns:p14="http://schemas.microsoft.com/office/powerpoint/2010/main" val="1465380326"/>
+      </p:ext>
+    </p:extLst>
+  </p:cSld>
+  <p:clrMapOvr>
+    <a:masterClrMapping/>
+  </p:clrMapOvr>
+</p:sld>
+</file>
+
+<file path=ppt/slides/slide34.xml><?xml version="1.0" encoding="utf-8"?>
 <p:sld xmlns:a="http://schemas.openxmlformats.org/drawingml/2006/main" xmlns:r="http://schemas.openxmlformats.org/officeDocument/2006/relationships" xmlns:p="http://schemas.openxmlformats.org/presentationml/2006/main">
   <p:cSld>
     <p:spTree>
@@ -24792,7 +24471,7 @@
 </p:sld>
 </file>
 
-<file path=ppt/slides/slide38.xml><?xml version="1.0" encoding="utf-8"?>
+<file path=ppt/slides/slide35.xml><?xml version="1.0" encoding="utf-8"?>
 <p:sld xmlns:a="http://schemas.openxmlformats.org/drawingml/2006/main" xmlns:r="http://schemas.openxmlformats.org/officeDocument/2006/relationships" xmlns:p="http://schemas.openxmlformats.org/presentationml/2006/main">
   <p:cSld>
     <p:spTree>
@@ -24826,411 +24505,14 @@
           <a:p>
             <a:r>
               <a:rPr lang="en-US" b="1" dirty="0" smtClean="0"/>
-              <a:t>Future Work</a:t>
+              <a:t>Conclusion</a:t>
             </a:r>
             <a:endParaRPr lang="en-US" b="1" dirty="0"/>
           </a:p>
         </p:txBody>
       </p:sp>
-      <mc:AlternateContent xmlns:mc="http://schemas.openxmlformats.org/markup-compatibility/2006" xmlns:a14="http://schemas.microsoft.com/office/drawing/2010/main">
-        <mc:Choice Requires="a14">
-          <p:sp>
-            <p:nvSpPr>
-              <p:cNvPr id="3" name="Content Placeholder 2"/>
-              <p:cNvSpPr>
-                <a:spLocks noGrp="1"/>
-              </p:cNvSpPr>
-              <p:nvPr>
-                <p:ph idx="1"/>
-              </p:nvPr>
-            </p:nvSpPr>
-            <p:spPr/>
-            <p:txBody>
-              <a:bodyPr/>
-              <a:lstStyle/>
-              <a:p>
-                <a:pPr>
-                  <a:buFont typeface="Wingdings" charset="2"/>
-                  <a:buChar char="Ø"/>
-                </a:pPr>
-                <a:r>
-                  <a:rPr lang="en-US" dirty="0" smtClean="0"/>
-                  <a:t>Experiment with different values Random Delays</a:t>
-                </a:r>
-              </a:p>
-              <a:p>
-                <a:pPr>
-                  <a:buFont typeface="Wingdings" charset="2"/>
-                  <a:buChar char="Ø"/>
-                </a:pPr>
-                <a:endParaRPr lang="en-US" dirty="0" smtClean="0"/>
-              </a:p>
-              <a:p>
-                <a:pPr>
-                  <a:buFont typeface="Wingdings" charset="2"/>
-                  <a:buChar char="Ø"/>
-                </a:pPr>
-                <a:r>
-                  <a:rPr lang="en-US" dirty="0" smtClean="0"/>
-                  <a:t>Apply </a:t>
-                </a:r>
-                <a:r>
-                  <a:rPr lang="en-US" dirty="0"/>
-                  <a:t>different algorithms to choose </a:t>
-                </a:r>
-                <a:r>
-                  <a:rPr lang="en-US" dirty="0" smtClean="0"/>
-                  <a:t>neighboring </a:t>
-                </a:r>
-                <a:r>
-                  <a:rPr lang="en-US" dirty="0"/>
-                  <a:t>nodes for </a:t>
-                </a:r>
-                <a:r>
-                  <a:rPr lang="en-US" dirty="0" smtClean="0"/>
-                  <a:t>Indirections</a:t>
-                </a:r>
-                <a:r>
-                  <a:rPr lang="en-US" dirty="0"/>
-                  <a:t>. </a:t>
-                </a:r>
-                <a:r>
-                  <a:rPr lang="en-US" dirty="0" smtClean="0"/>
-                  <a:t>(random</a:t>
-                </a:r>
-                <a:r>
-                  <a:rPr lang="en-US" dirty="0"/>
-                  <a:t>, traveling in </a:t>
-                </a:r>
-                <a:r>
-                  <a:rPr lang="en-US" dirty="0" smtClean="0"/>
-                  <a:t>opposite direction, farthest)</a:t>
-                </a:r>
-              </a:p>
-              <a:p>
-                <a:pPr>
-                  <a:buFont typeface="Wingdings" charset="2"/>
-                  <a:buChar char="Ø"/>
-                </a:pPr>
-                <a:endParaRPr lang="en-US" dirty="0" smtClean="0"/>
-              </a:p>
-              <a:p>
-                <a:pPr>
-                  <a:buFont typeface="Wingdings" charset="2"/>
-                  <a:buChar char="Ø"/>
-                </a:pPr>
-                <a:r>
-                  <a:rPr lang="en-US" dirty="0" smtClean="0"/>
-                  <a:t>How parameters would change in case of freeways &amp; downtown areas.</a:t>
-                </a:r>
-              </a:p>
-              <a:p>
-                <a:pPr>
-                  <a:buFont typeface="Wingdings" charset="2"/>
-                  <a:buChar char="Ø"/>
-                </a:pPr>
-                <a:endParaRPr lang="en-US" dirty="0" smtClean="0"/>
-              </a:p>
-              <a:p>
-                <a:pPr>
-                  <a:buFont typeface="Wingdings" charset="2"/>
-                  <a:buChar char="Ø"/>
-                </a:pPr>
-                <a:r>
-                  <a:rPr lang="en-US" dirty="0" smtClean="0"/>
-                  <a:t>Effect of user defined privacy level (</a:t>
-                </a:r>
-                <a14:m>
-                  <m:oMath xmlns:m="http://schemas.openxmlformats.org/officeDocument/2006/math">
-                    <m:r>
-                      <a:rPr lang="en-US" i="1" smtClean="0">
-                        <a:latin typeface="Cambria Math" charset="0"/>
-                        <a:ea typeface="Cambria Math" charset="0"/>
-                        <a:cs typeface="Cambria Math" charset="0"/>
-                      </a:rPr>
-                      <m:t>𝜖</m:t>
-                    </m:r>
-                  </m:oMath>
-                </a14:m>
-                <a:r>
-                  <a:rPr lang="en-US" dirty="0" smtClean="0"/>
-                  <a:t>)</a:t>
-                </a:r>
-              </a:p>
-              <a:p>
-                <a:pPr>
-                  <a:buFont typeface="Wingdings" charset="2"/>
-                  <a:buChar char="Ø"/>
-                </a:pPr>
-                <a:endParaRPr lang="en-US" dirty="0" smtClean="0"/>
-              </a:p>
-              <a:p>
-                <a:pPr>
-                  <a:buFont typeface="Wingdings" charset="2"/>
-                  <a:buChar char="Ø"/>
-                </a:pPr>
-                <a:endParaRPr lang="en-US" dirty="0" smtClean="0"/>
-              </a:p>
-              <a:p>
-                <a:pPr>
-                  <a:buFont typeface="Wingdings" charset="2"/>
-                  <a:buChar char="Ø"/>
-                </a:pPr>
-                <a:endParaRPr lang="en-US" dirty="0"/>
-              </a:p>
-            </p:txBody>
-          </p:sp>
-        </mc:Choice>
-        <mc:Fallback xmlns="">
-          <p:sp>
-            <p:nvSpPr>
-              <p:cNvPr id="3" name="Content Placeholder 2"/>
-              <p:cNvSpPr>
-                <a:spLocks noGrp="1" noRot="1" noChangeAspect="1" noMove="1" noResize="1" noEditPoints="1" noAdjustHandles="1" noChangeArrowheads="1" noChangeShapeType="1" noTextEdit="1"/>
-              </p:cNvSpPr>
-              <p:nvPr>
-                <p:ph idx="1"/>
-              </p:nvPr>
-            </p:nvSpPr>
-            <p:spPr>
-              <a:blipFill rotWithShape="0">
-                <a:blip r:embed="rId2"/>
-                <a:stretch>
-                  <a:fillRect l="-1043" t="-2241" b="-3081"/>
-                </a:stretch>
-              </a:blipFill>
-            </p:spPr>
-            <p:txBody>
-              <a:bodyPr/>
-              <a:lstStyle/>
-              <a:p>
-                <a:r>
-                  <a:rPr lang="en-US">
-                    <a:noFill/>
-                  </a:rPr>
-                  <a:t> </a:t>
-                </a:r>
-              </a:p>
-            </p:txBody>
-          </p:sp>
-        </mc:Fallback>
-      </mc:AlternateContent>
-    </p:spTree>
-    <p:extLst>
-      <p:ext uri="{BB962C8B-B14F-4D97-AF65-F5344CB8AC3E}">
-        <p14:creationId xmlns:p14="http://schemas.microsoft.com/office/powerpoint/2010/main" val="1821543279"/>
-      </p:ext>
-    </p:extLst>
-  </p:cSld>
-  <p:clrMapOvr>
-    <a:masterClrMapping/>
-  </p:clrMapOvr>
-  <p:timing>
-    <p:tnLst>
-      <p:par>
-        <p:cTn id="1" dur="indefinite" restart="never" nodeType="tmRoot"/>
-      </p:par>
-    </p:tnLst>
-  </p:timing>
-</p:sld>
-</file>
-
-<file path=ppt/slides/slide39.xml><?xml version="1.0" encoding="utf-8"?>
-<p:sld xmlns:a="http://schemas.openxmlformats.org/drawingml/2006/main" xmlns:r="http://schemas.openxmlformats.org/officeDocument/2006/relationships" xmlns:p="http://schemas.openxmlformats.org/presentationml/2006/main">
-  <p:cSld>
-    <p:spTree>
-      <p:nvGrpSpPr>
-        <p:cNvPr id="1" name=""/>
-        <p:cNvGrpSpPr/>
-        <p:nvPr/>
-      </p:nvGrpSpPr>
-      <p:grpSpPr>
-        <a:xfrm>
-          <a:off x="0" y="0"/>
-          <a:ext cx="0" cy="0"/>
-          <a:chOff x="0" y="0"/>
-          <a:chExt cx="0" cy="0"/>
-        </a:xfrm>
-      </p:grpSpPr>
-      <p:sp>
-        <p:nvSpPr>
-          <p:cNvPr id="2" name="Title 1"/>
-          <p:cNvSpPr>
-            <a:spLocks noGrp="1"/>
-          </p:cNvSpPr>
-          <p:nvPr>
-            <p:ph type="title"/>
-          </p:nvPr>
-        </p:nvSpPr>
-        <p:spPr/>
-        <p:txBody>
-          <a:bodyPr/>
-          <a:lstStyle/>
-          <a:p>
-            <a:r>
-              <a:rPr lang="en-US" b="1" dirty="0" smtClean="0"/>
-              <a:t>Timeline of Future Work</a:t>
-            </a:r>
-            <a:endParaRPr lang="en-US" b="1" dirty="0"/>
-          </a:p>
-        </p:txBody>
-      </p:sp>
-      <p:pic>
-        <p:nvPicPr>
-          <p:cNvPr id="4" name="Content Placeholder 3"/>
-          <p:cNvPicPr>
-            <a:picLocks noGrp="1" noChangeAspect="1"/>
-          </p:cNvPicPr>
-          <p:nvPr>
-            <p:ph idx="1"/>
-          </p:nvPr>
-        </p:nvPicPr>
-        <p:blipFill>
-          <a:blip r:embed="rId2">
-            <a:extLst>
-              <a:ext uri="{28A0092B-C50C-407E-A947-70E740481C1C}">
-                <a14:useLocalDpi xmlns:a14="http://schemas.microsoft.com/office/drawing/2010/main" val="0"/>
-              </a:ext>
-            </a:extLst>
-          </a:blip>
-          <a:stretch>
-            <a:fillRect/>
-          </a:stretch>
-        </p:blipFill>
-        <p:spPr>
-          <a:xfrm>
-            <a:off x="182503" y="1847849"/>
-            <a:ext cx="11826994" cy="3267075"/>
-          </a:xfrm>
-        </p:spPr>
-      </p:pic>
-    </p:spTree>
-    <p:extLst>
-      <p:ext uri="{BB962C8B-B14F-4D97-AF65-F5344CB8AC3E}">
-        <p14:creationId xmlns:p14="http://schemas.microsoft.com/office/powerpoint/2010/main" val="380800034"/>
-      </p:ext>
-    </p:extLst>
-  </p:cSld>
-  <p:clrMapOvr>
-    <a:masterClrMapping/>
-  </p:clrMapOvr>
-  <p:timing>
-    <p:tnLst>
-      <p:par>
-        <p:cTn id="1" dur="indefinite" restart="never" nodeType="tmRoot"/>
-      </p:par>
-    </p:tnLst>
-  </p:timing>
-</p:sld>
-</file>
-
-<file path=ppt/slides/slide4.xml><?xml version="1.0" encoding="utf-8"?>
-<p:sld xmlns:a="http://schemas.openxmlformats.org/drawingml/2006/main" xmlns:r="http://schemas.openxmlformats.org/officeDocument/2006/relationships" xmlns:p="http://schemas.openxmlformats.org/presentationml/2006/main">
-  <p:cSld>
-    <p:spTree>
-      <p:nvGrpSpPr>
-        <p:cNvPr id="1" name=""/>
-        <p:cNvGrpSpPr/>
-        <p:nvPr/>
-      </p:nvGrpSpPr>
-      <p:grpSpPr>
-        <a:xfrm>
-          <a:off x="0" y="0"/>
-          <a:ext cx="0" cy="0"/>
-          <a:chOff x="0" y="0"/>
-          <a:chExt cx="0" cy="0"/>
-        </a:xfrm>
-      </p:grpSpPr>
-      <p:sp>
-        <p:nvSpPr>
-          <p:cNvPr id="2" name="Title 1"/>
-          <p:cNvSpPr>
-            <a:spLocks noGrp="1"/>
-          </p:cNvSpPr>
-          <p:nvPr>
-            <p:ph type="title"/>
-          </p:nvPr>
-        </p:nvSpPr>
-        <p:spPr>
-          <a:xfrm>
-            <a:off x="1887944" y="2412289"/>
-            <a:ext cx="8341910" cy="1325563"/>
-          </a:xfrm>
-        </p:spPr>
-        <p:txBody>
-          <a:bodyPr/>
-          <a:lstStyle/>
-          <a:p>
-            <a:r>
-              <a:rPr lang="en-US" b="1" dirty="0" smtClean="0"/>
-              <a:t>Need for collecting Location Data</a:t>
-            </a:r>
-            <a:endParaRPr lang="en-US" b="1" dirty="0"/>
-          </a:p>
-        </p:txBody>
-      </p:sp>
-    </p:spTree>
-    <p:extLst>
-      <p:ext uri="{BB962C8B-B14F-4D97-AF65-F5344CB8AC3E}">
-        <p14:creationId xmlns:p14="http://schemas.microsoft.com/office/powerpoint/2010/main" val="1013063806"/>
-      </p:ext>
-    </p:extLst>
-  </p:cSld>
-  <p:clrMapOvr>
-    <a:masterClrMapping/>
-  </p:clrMapOvr>
-  <p:timing>
-    <p:tnLst>
-      <p:par>
-        <p:cTn id="1" dur="indefinite" restart="never" nodeType="tmRoot"/>
-      </p:par>
-    </p:tnLst>
-  </p:timing>
-</p:sld>
-</file>
-
-<file path=ppt/slides/slide40.xml><?xml version="1.0" encoding="utf-8"?>
-<p:sld xmlns:a="http://schemas.openxmlformats.org/drawingml/2006/main" xmlns:r="http://schemas.openxmlformats.org/officeDocument/2006/relationships" xmlns:p="http://schemas.openxmlformats.org/presentationml/2006/main">
-  <p:cSld>
-    <p:spTree>
-      <p:nvGrpSpPr>
-        <p:cNvPr id="1" name=""/>
-        <p:cNvGrpSpPr/>
-        <p:nvPr/>
-      </p:nvGrpSpPr>
-      <p:grpSpPr>
-        <a:xfrm>
-          <a:off x="0" y="0"/>
-          <a:ext cx="0" cy="0"/>
-          <a:chOff x="0" y="0"/>
-          <a:chExt cx="0" cy="0"/>
-        </a:xfrm>
-      </p:grpSpPr>
-      <p:sp>
-        <p:nvSpPr>
-          <p:cNvPr id="2" name="Title 1"/>
-          <p:cNvSpPr>
-            <a:spLocks noGrp="1"/>
-          </p:cNvSpPr>
-          <p:nvPr>
-            <p:ph type="title"/>
-          </p:nvPr>
-        </p:nvSpPr>
-        <p:spPr/>
-        <p:txBody>
-          <a:bodyPr/>
-          <a:lstStyle/>
-          <a:p>
-            <a:r>
-              <a:rPr lang="en-US" b="1" dirty="0" smtClean="0"/>
-              <a:t>Conclusion</a:t>
-            </a:r>
-            <a:endParaRPr lang="en-US" b="1" dirty="0"/>
-          </a:p>
-        </p:txBody>
-      </p:sp>
-      <mc:AlternateContent xmlns:mc="http://schemas.openxmlformats.org/markup-compatibility/2006" xmlns:a14="http://schemas.microsoft.com/office/drawing/2010/main">
-        <mc:Choice Requires="a14">
+      <mc:AlternateContent xmlns:mc="http://schemas.openxmlformats.org/markup-compatibility/2006">
+        <mc:Choice xmlns:a14="http://schemas.microsoft.com/office/drawing/2010/main" Requires="a14">
           <p:sp>
             <p:nvSpPr>
               <p:cNvPr id="3" name="Content Placeholder 2"/>
@@ -25265,8 +24547,37 @@
                       <a:srgbClr val="FF0000"/>
                     </a:solidFill>
                   </a:rPr>
-                  <a:t>privacy of uploader is preserved after 1 upload.</a:t>
+                  <a:t>privacy of uploader is </a:t>
                 </a:r>
+                <a:r>
+                  <a:rPr lang="en-US" b="1" dirty="0" smtClean="0">
+                    <a:solidFill>
+                      <a:srgbClr val="FF0000"/>
+                    </a:solidFill>
+                  </a:rPr>
+                  <a:t>preserved as the rati</a:t>
+                </a:r>
+                <a:r>
+                  <a:rPr lang="en-US" b="1" dirty="0" smtClean="0">
+                    <a:solidFill>
+                      <a:srgbClr val="FF0000"/>
+                    </a:solidFill>
+                  </a:rPr>
+                  <a:t>o of the points is high</a:t>
+                </a:r>
+                <a:r>
+                  <a:rPr lang="en-US" b="1" dirty="0" smtClean="0">
+                    <a:solidFill>
+                      <a:srgbClr val="FF0000"/>
+                    </a:solidFill>
+                  </a:rPr>
+                  <a:t>.</a:t>
+                </a:r>
+                <a:endParaRPr lang="en-US" b="1" dirty="0" smtClean="0">
+                  <a:solidFill>
+                    <a:srgbClr val="FF0000"/>
+                  </a:solidFill>
+                </a:endParaRPr>
               </a:p>
               <a:p>
                 <a:pPr>
@@ -25385,7 +24696,7 @@
             </p:txBody>
           </p:sp>
         </mc:Choice>
-        <mc:Fallback xmlns="">
+        <mc:Fallback>
           <p:sp>
             <p:nvSpPr>
               <p:cNvPr id="3" name="Content Placeholder 2"/>
@@ -25404,7 +24715,7 @@
               <a:blipFill rotWithShape="0">
                 <a:blip r:embed="rId2"/>
                 <a:stretch>
-                  <a:fillRect l="-966" t="-2174"/>
+                  <a:fillRect l="-966" t="-2174" r="-1080"/>
                 </a:stretch>
               </a:blipFill>
             </p:spPr>
@@ -25443,7 +24754,7 @@
 </p:sld>
 </file>
 
-<file path=ppt/slides/slide41.xml><?xml version="1.0" encoding="utf-8"?>
+<file path=ppt/slides/slide36.xml><?xml version="1.0" encoding="utf-8"?>
 <p:sld xmlns:a="http://schemas.openxmlformats.org/drawingml/2006/main" xmlns:r="http://schemas.openxmlformats.org/officeDocument/2006/relationships" xmlns:p="http://schemas.openxmlformats.org/presentationml/2006/main">
   <p:cSld>
     <p:spTree>
@@ -25508,6 +24819,73 @@
     <p:extLst>
       <p:ext uri="{BB962C8B-B14F-4D97-AF65-F5344CB8AC3E}">
         <p14:creationId xmlns:p14="http://schemas.microsoft.com/office/powerpoint/2010/main" val="1790591495"/>
+      </p:ext>
+    </p:extLst>
+  </p:cSld>
+  <p:clrMapOvr>
+    <a:masterClrMapping/>
+  </p:clrMapOvr>
+  <p:timing>
+    <p:tnLst>
+      <p:par>
+        <p:cTn id="1" dur="indefinite" restart="never" nodeType="tmRoot"/>
+      </p:par>
+    </p:tnLst>
+  </p:timing>
+</p:sld>
+</file>
+
+<file path=ppt/slides/slide4.xml><?xml version="1.0" encoding="utf-8"?>
+<p:sld xmlns:a="http://schemas.openxmlformats.org/drawingml/2006/main" xmlns:r="http://schemas.openxmlformats.org/officeDocument/2006/relationships" xmlns:p="http://schemas.openxmlformats.org/presentationml/2006/main">
+  <p:cSld>
+    <p:spTree>
+      <p:nvGrpSpPr>
+        <p:cNvPr id="1" name=""/>
+        <p:cNvGrpSpPr/>
+        <p:nvPr/>
+      </p:nvGrpSpPr>
+      <p:grpSpPr>
+        <a:xfrm>
+          <a:off x="0" y="0"/>
+          <a:ext cx="0" cy="0"/>
+          <a:chOff x="0" y="0"/>
+          <a:chExt cx="0" cy="0"/>
+        </a:xfrm>
+      </p:grpSpPr>
+      <p:sp>
+        <p:nvSpPr>
+          <p:cNvPr id="2" name="Title 1"/>
+          <p:cNvSpPr>
+            <a:spLocks noGrp="1"/>
+          </p:cNvSpPr>
+          <p:nvPr>
+            <p:ph type="title"/>
+          </p:nvPr>
+        </p:nvSpPr>
+        <p:spPr>
+          <a:xfrm>
+            <a:off x="1887944" y="2412289"/>
+            <a:ext cx="8341910" cy="1325563"/>
+          </a:xfrm>
+        </p:spPr>
+        <p:txBody>
+          <a:bodyPr>
+            <a:normAutofit/>
+          </a:bodyPr>
+          <a:lstStyle/>
+          <a:p>
+            <a:r>
+              <a:rPr lang="en-US" b="1" dirty="0" smtClean="0"/>
+              <a:t>Need for collecting Location Data</a:t>
+            </a:r>
+            <a:endParaRPr lang="en-US" b="1" dirty="0"/>
+          </a:p>
+        </p:txBody>
+      </p:sp>
+    </p:spTree>
+    <p:extLst>
+      <p:ext uri="{BB962C8B-B14F-4D97-AF65-F5344CB8AC3E}">
+        <p14:creationId xmlns:p14="http://schemas.microsoft.com/office/powerpoint/2010/main" val="1013063806"/>
       </p:ext>
     </p:extLst>
   </p:cSld>
@@ -26924,7 +26302,9 @@
         </p:nvSpPr>
         <p:spPr/>
         <p:txBody>
-          <a:bodyPr/>
+          <a:bodyPr>
+            <a:normAutofit/>
+          </a:bodyPr>
           <a:lstStyle/>
           <a:p>
             <a:r>
@@ -30021,7 +29401,9 @@
           </a:xfrm>
         </p:spPr>
         <p:txBody>
-          <a:bodyPr/>
+          <a:bodyPr>
+            <a:normAutofit/>
+          </a:bodyPr>
           <a:lstStyle/>
           <a:p>
             <a:r>
